--- a/media/4d_face.pptx
+++ b/media/4d_face.pptx
@@ -2,18 +2,18 @@
 <file path=ppt/presentation.xml><?xml version="1.0" encoding="utf-8"?>
 <p:presentation xmlns:a="http://schemas.openxmlformats.org/drawingml/2006/main" xmlns:r="http://schemas.openxmlformats.org/officeDocument/2006/relationships" xmlns:p="http://schemas.openxmlformats.org/presentationml/2006/main" saveSubsetFonts="1" autoCompressPictures="0">
   <p:sldMasterIdLst>
-    <p:sldMasterId id="2147483648" r:id="rId1"/>
+    <p:sldMasterId id="2147483660" r:id="rId1"/>
   </p:sldMasterIdLst>
   <p:sldIdLst>
     <p:sldId id="258" r:id="rId2"/>
   </p:sldIdLst>
-  <p:sldSz cx="12192000" cy="6858000"/>
+  <p:sldSz cx="6911975" cy="4608513"/>
   <p:notesSz cx="6858000" cy="9144000"/>
   <p:defaultTextStyle>
     <a:defPPr>
-      <a:defRPr lang="ko-Kore-KR"/>
+      <a:defRPr lang="en-US"/>
     </a:defPPr>
-    <a:lvl1pPr marL="0" algn="l" defTabSz="914400" rtl="0" eaLnBrk="1" latinLnBrk="0" hangingPunct="1">
+    <a:lvl1pPr marL="0" algn="l" defTabSz="457200" rtl="0" eaLnBrk="1" latinLnBrk="0" hangingPunct="1">
       <a:defRPr sz="1800" kern="1200">
         <a:solidFill>
           <a:schemeClr val="tx1"/>
@@ -23,7 +23,7 @@
         <a:cs typeface="+mn-cs"/>
       </a:defRPr>
     </a:lvl1pPr>
-    <a:lvl2pPr marL="457200" algn="l" defTabSz="914400" rtl="0" eaLnBrk="1" latinLnBrk="0" hangingPunct="1">
+    <a:lvl2pPr marL="457200" algn="l" defTabSz="457200" rtl="0" eaLnBrk="1" latinLnBrk="0" hangingPunct="1">
       <a:defRPr sz="1800" kern="1200">
         <a:solidFill>
           <a:schemeClr val="tx1"/>
@@ -33,7 +33,7 @@
         <a:cs typeface="+mn-cs"/>
       </a:defRPr>
     </a:lvl2pPr>
-    <a:lvl3pPr marL="914400" algn="l" defTabSz="914400" rtl="0" eaLnBrk="1" latinLnBrk="0" hangingPunct="1">
+    <a:lvl3pPr marL="914400" algn="l" defTabSz="457200" rtl="0" eaLnBrk="1" latinLnBrk="0" hangingPunct="1">
       <a:defRPr sz="1800" kern="1200">
         <a:solidFill>
           <a:schemeClr val="tx1"/>
@@ -43,7 +43,7 @@
         <a:cs typeface="+mn-cs"/>
       </a:defRPr>
     </a:lvl3pPr>
-    <a:lvl4pPr marL="1371600" algn="l" defTabSz="914400" rtl="0" eaLnBrk="1" latinLnBrk="0" hangingPunct="1">
+    <a:lvl4pPr marL="1371600" algn="l" defTabSz="457200" rtl="0" eaLnBrk="1" latinLnBrk="0" hangingPunct="1">
       <a:defRPr sz="1800" kern="1200">
         <a:solidFill>
           <a:schemeClr val="tx1"/>
@@ -53,7 +53,7 @@
         <a:cs typeface="+mn-cs"/>
       </a:defRPr>
     </a:lvl4pPr>
-    <a:lvl5pPr marL="1828800" algn="l" defTabSz="914400" rtl="0" eaLnBrk="1" latinLnBrk="0" hangingPunct="1">
+    <a:lvl5pPr marL="1828800" algn="l" defTabSz="457200" rtl="0" eaLnBrk="1" latinLnBrk="0" hangingPunct="1">
       <a:defRPr sz="1800" kern="1200">
         <a:solidFill>
           <a:schemeClr val="tx1"/>
@@ -63,7 +63,7 @@
         <a:cs typeface="+mn-cs"/>
       </a:defRPr>
     </a:lvl5pPr>
-    <a:lvl6pPr marL="2286000" algn="l" defTabSz="914400" rtl="0" eaLnBrk="1" latinLnBrk="0" hangingPunct="1">
+    <a:lvl6pPr marL="2286000" algn="l" defTabSz="457200" rtl="0" eaLnBrk="1" latinLnBrk="0" hangingPunct="1">
       <a:defRPr sz="1800" kern="1200">
         <a:solidFill>
           <a:schemeClr val="tx1"/>
@@ -73,7 +73,7 @@
         <a:cs typeface="+mn-cs"/>
       </a:defRPr>
     </a:lvl6pPr>
-    <a:lvl7pPr marL="2743200" algn="l" defTabSz="914400" rtl="0" eaLnBrk="1" latinLnBrk="0" hangingPunct="1">
+    <a:lvl7pPr marL="2743200" algn="l" defTabSz="457200" rtl="0" eaLnBrk="1" latinLnBrk="0" hangingPunct="1">
       <a:defRPr sz="1800" kern="1200">
         <a:solidFill>
           <a:schemeClr val="tx1"/>
@@ -83,7 +83,7 @@
         <a:cs typeface="+mn-cs"/>
       </a:defRPr>
     </a:lvl7pPr>
-    <a:lvl8pPr marL="3200400" algn="l" defTabSz="914400" rtl="0" eaLnBrk="1" latinLnBrk="0" hangingPunct="1">
+    <a:lvl8pPr marL="3200400" algn="l" defTabSz="457200" rtl="0" eaLnBrk="1" latinLnBrk="0" hangingPunct="1">
       <a:defRPr sz="1800" kern="1200">
         <a:solidFill>
           <a:schemeClr val="tx1"/>
@@ -93,7 +93,7 @@
         <a:cs typeface="+mn-cs"/>
       </a:defRPr>
     </a:lvl8pPr>
-    <a:lvl9pPr marL="3657600" algn="l" defTabSz="914400" rtl="0" eaLnBrk="1" latinLnBrk="0" hangingPunct="1">
+    <a:lvl9pPr marL="3657600" algn="l" defTabSz="457200" rtl="0" eaLnBrk="1" latinLnBrk="0" hangingPunct="1">
       <a:defRPr sz="1800" kern="1200">
         <a:solidFill>
           <a:schemeClr val="tx1"/>
@@ -107,12 +107,12 @@
   <p:extLst>
     <p:ext uri="{EFAFB233-063F-42B5-8137-9DF3F51BA10A}">
       <p15:sldGuideLst xmlns:p15="http://schemas.microsoft.com/office/powerpoint/2012/main">
-        <p15:guide id="1" orient="horz" pos="2160" userDrawn="1">
+        <p15:guide id="1" orient="horz" pos="1452" userDrawn="1">
           <p15:clr>
             <a:srgbClr val="A4A3A4"/>
           </p15:clr>
         </p15:guide>
-        <p15:guide id="2" pos="3840" userDrawn="1">
+        <p15:guide id="2" pos="2177" userDrawn="1">
           <p15:clr>
             <a:srgbClr val="A4A3A4"/>
           </p15:clr>
@@ -142,13 +142,7 @@
       </p:grpSpPr>
       <p:sp>
         <p:nvSpPr>
-          <p:cNvPr id="2" name="제목 1">
-            <a:extLst>
-              <a:ext uri="{FF2B5EF4-FFF2-40B4-BE49-F238E27FC236}">
-                <a16:creationId xmlns:a16="http://schemas.microsoft.com/office/drawing/2014/main" id="{61858A68-DDEA-FE07-97A8-76E713E94C94}"/>
-              </a:ext>
-            </a:extLst>
-          </p:cNvPr>
+          <p:cNvPr id="2" name="Title 1"/>
           <p:cNvSpPr>
             <a:spLocks noGrp="1"/>
           </p:cNvSpPr>
@@ -158,35 +152,29 @@
         </p:nvSpPr>
         <p:spPr>
           <a:xfrm>
-            <a:off x="1524000" y="1122363"/>
-            <a:ext cx="9144000" cy="2387600"/>
+            <a:off x="518398" y="754218"/>
+            <a:ext cx="5875179" cy="1604445"/>
           </a:xfrm>
         </p:spPr>
         <p:txBody>
           <a:bodyPr anchor="b"/>
           <a:lstStyle>
             <a:lvl1pPr algn="ctr">
-              <a:defRPr sz="6000"/>
+              <a:defRPr sz="4032"/>
             </a:lvl1pPr>
           </a:lstStyle>
           <a:p>
             <a:r>
-              <a:rPr kumimoji="1" lang="ko-KR" altLang="en-US"/>
+              <a:rPr lang="ko-KR" altLang="en-US"/>
               <a:t>마스터 제목 스타일 편집</a:t>
             </a:r>
-            <a:endParaRPr kumimoji="1" lang="ko-Kore-KR" altLang="en-US"/>
-          </a:p>
-        </p:txBody>
-      </p:sp>
-      <p:sp>
-        <p:nvSpPr>
-          <p:cNvPr id="3" name="부제목 2">
-            <a:extLst>
-              <a:ext uri="{FF2B5EF4-FFF2-40B4-BE49-F238E27FC236}">
-                <a16:creationId xmlns:a16="http://schemas.microsoft.com/office/drawing/2014/main" id="{79ED9C15-7C9E-B460-A310-554E8F2DA44E}"/>
-              </a:ext>
-            </a:extLst>
-          </p:cNvPr>
+            <a:endParaRPr lang="en-US" dirty="0"/>
+          </a:p>
+        </p:txBody>
+      </p:sp>
+      <p:sp>
+        <p:nvSpPr>
+          <p:cNvPr id="3" name="Subtitle 2"/>
           <p:cNvSpPr>
             <a:spLocks noGrp="1"/>
           </p:cNvSpPr>
@@ -196,8 +184,8 @@
         </p:nvSpPr>
         <p:spPr>
           <a:xfrm>
-            <a:off x="1524000" y="3602038"/>
-            <a:ext cx="9144000" cy="1655762"/>
+            <a:off x="863997" y="2420536"/>
+            <a:ext cx="5183981" cy="1112657"/>
           </a:xfrm>
         </p:spPr>
         <p:txBody>
@@ -205,59 +193,53 @@
           <a:lstStyle>
             <a:lvl1pPr marL="0" indent="0" algn="ctr">
               <a:buNone/>
-              <a:defRPr sz="2400"/>
+              <a:defRPr sz="1613"/>
             </a:lvl1pPr>
-            <a:lvl2pPr marL="457200" indent="0" algn="ctr">
-              <a:buNone/>
-              <a:defRPr sz="2000"/>
+            <a:lvl2pPr marL="307238" indent="0" algn="ctr">
+              <a:buNone/>
+              <a:defRPr sz="1344"/>
             </a:lvl2pPr>
-            <a:lvl3pPr marL="914400" indent="0" algn="ctr">
-              <a:buNone/>
-              <a:defRPr sz="1800"/>
+            <a:lvl3pPr marL="614477" indent="0" algn="ctr">
+              <a:buNone/>
+              <a:defRPr sz="1210"/>
             </a:lvl3pPr>
-            <a:lvl4pPr marL="1371600" indent="0" algn="ctr">
-              <a:buNone/>
-              <a:defRPr sz="1600"/>
+            <a:lvl4pPr marL="921715" indent="0" algn="ctr">
+              <a:buNone/>
+              <a:defRPr sz="1075"/>
             </a:lvl4pPr>
-            <a:lvl5pPr marL="1828800" indent="0" algn="ctr">
-              <a:buNone/>
-              <a:defRPr sz="1600"/>
+            <a:lvl5pPr marL="1228954" indent="0" algn="ctr">
+              <a:buNone/>
+              <a:defRPr sz="1075"/>
             </a:lvl5pPr>
-            <a:lvl6pPr marL="2286000" indent="0" algn="ctr">
-              <a:buNone/>
-              <a:defRPr sz="1600"/>
+            <a:lvl6pPr marL="1536192" indent="0" algn="ctr">
+              <a:buNone/>
+              <a:defRPr sz="1075"/>
             </a:lvl6pPr>
-            <a:lvl7pPr marL="2743200" indent="0" algn="ctr">
-              <a:buNone/>
-              <a:defRPr sz="1600"/>
+            <a:lvl7pPr marL="1843430" indent="0" algn="ctr">
+              <a:buNone/>
+              <a:defRPr sz="1075"/>
             </a:lvl7pPr>
-            <a:lvl8pPr marL="3200400" indent="0" algn="ctr">
-              <a:buNone/>
-              <a:defRPr sz="1600"/>
+            <a:lvl8pPr marL="2150669" indent="0" algn="ctr">
+              <a:buNone/>
+              <a:defRPr sz="1075"/>
             </a:lvl8pPr>
-            <a:lvl9pPr marL="3657600" indent="0" algn="ctr">
-              <a:buNone/>
-              <a:defRPr sz="1600"/>
+            <a:lvl9pPr marL="2457907" indent="0" algn="ctr">
+              <a:buNone/>
+              <a:defRPr sz="1075"/>
             </a:lvl9pPr>
           </a:lstStyle>
           <a:p>
             <a:r>
-              <a:rPr kumimoji="1" lang="ko-KR" altLang="en-US"/>
+              <a:rPr lang="ko-KR" altLang="en-US"/>
               <a:t>클릭하여 마스터 부제목 스타일 편집</a:t>
             </a:r>
-            <a:endParaRPr kumimoji="1" lang="ko-Kore-KR" altLang="en-US"/>
-          </a:p>
-        </p:txBody>
-      </p:sp>
-      <p:sp>
-        <p:nvSpPr>
-          <p:cNvPr id="4" name="날짜 개체 틀 3">
-            <a:extLst>
-              <a:ext uri="{FF2B5EF4-FFF2-40B4-BE49-F238E27FC236}">
-                <a16:creationId xmlns:a16="http://schemas.microsoft.com/office/drawing/2014/main" id="{8FC5F0A3-73AB-54F5-64F4-687201F74C2E}"/>
-              </a:ext>
-            </a:extLst>
-          </p:cNvPr>
+            <a:endParaRPr lang="en-US" dirty="0"/>
+          </a:p>
+        </p:txBody>
+      </p:sp>
+      <p:sp>
+        <p:nvSpPr>
+          <p:cNvPr id="4" name="Date Placeholder 3"/>
           <p:cNvSpPr>
             <a:spLocks noGrp="1"/>
           </p:cNvSpPr>
@@ -280,13 +262,7 @@
       </p:sp>
       <p:sp>
         <p:nvSpPr>
-          <p:cNvPr id="5" name="바닥글 개체 틀 4">
-            <a:extLst>
-              <a:ext uri="{FF2B5EF4-FFF2-40B4-BE49-F238E27FC236}">
-                <a16:creationId xmlns:a16="http://schemas.microsoft.com/office/drawing/2014/main" id="{ED449043-C8AC-BDEE-0B57-6A415166748D}"/>
-              </a:ext>
-            </a:extLst>
-          </p:cNvPr>
+          <p:cNvPr id="5" name="Footer Placeholder 4"/>
           <p:cNvSpPr>
             <a:spLocks noGrp="1"/>
           </p:cNvSpPr>
@@ -305,13 +281,7 @@
       </p:sp>
       <p:sp>
         <p:nvSpPr>
-          <p:cNvPr id="6" name="슬라이드 번호 개체 틀 5">
-            <a:extLst>
-              <a:ext uri="{FF2B5EF4-FFF2-40B4-BE49-F238E27FC236}">
-                <a16:creationId xmlns:a16="http://schemas.microsoft.com/office/drawing/2014/main" id="{9E04B95C-CA37-BDAE-EC94-DF36B52FCA76}"/>
-              </a:ext>
-            </a:extLst>
-          </p:cNvPr>
+          <p:cNvPr id="6" name="Slide Number Placeholder 5"/>
           <p:cNvSpPr>
             <a:spLocks noGrp="1"/>
           </p:cNvSpPr>
@@ -335,7 +305,7 @@
     </p:spTree>
     <p:extLst>
       <p:ext uri="{BB962C8B-B14F-4D97-AF65-F5344CB8AC3E}">
-        <p14:creationId xmlns:p14="http://schemas.microsoft.com/office/powerpoint/2010/main" val="2257298690"/>
+        <p14:creationId xmlns:p14="http://schemas.microsoft.com/office/powerpoint/2010/main" val="1611070750"/>
       </p:ext>
     </p:extLst>
   </p:cSld>
@@ -364,13 +334,7 @@
       </p:grpSpPr>
       <p:sp>
         <p:nvSpPr>
-          <p:cNvPr id="2" name="제목 1">
-            <a:extLst>
-              <a:ext uri="{FF2B5EF4-FFF2-40B4-BE49-F238E27FC236}">
-                <a16:creationId xmlns:a16="http://schemas.microsoft.com/office/drawing/2014/main" id="{59952C48-D7A5-155F-B773-5B3091A19F67}"/>
-              </a:ext>
-            </a:extLst>
-          </p:cNvPr>
+          <p:cNvPr id="2" name="Title 1"/>
           <p:cNvSpPr>
             <a:spLocks noGrp="1"/>
           </p:cNvSpPr>
@@ -384,22 +348,16 @@
           <a:lstStyle/>
           <a:p>
             <a:r>
-              <a:rPr kumimoji="1" lang="ko-KR" altLang="en-US"/>
+              <a:rPr lang="ko-KR" altLang="en-US"/>
               <a:t>마스터 제목 스타일 편집</a:t>
             </a:r>
-            <a:endParaRPr kumimoji="1" lang="ko-Kore-KR" altLang="en-US"/>
-          </a:p>
-        </p:txBody>
-      </p:sp>
-      <p:sp>
-        <p:nvSpPr>
-          <p:cNvPr id="3" name="세로 텍스트 개체 틀 2">
-            <a:extLst>
-              <a:ext uri="{FF2B5EF4-FFF2-40B4-BE49-F238E27FC236}">
-                <a16:creationId xmlns:a16="http://schemas.microsoft.com/office/drawing/2014/main" id="{E0A32CF4-A123-8C60-9F17-117CC31152F6}"/>
-              </a:ext>
-            </a:extLst>
-          </p:cNvPr>
+            <a:endParaRPr lang="en-US" dirty="0"/>
+          </a:p>
+        </p:txBody>
+      </p:sp>
+      <p:sp>
+        <p:nvSpPr>
+          <p:cNvPr id="3" name="Vertical Text Placeholder 2"/>
           <p:cNvSpPr>
             <a:spLocks noGrp="1"/>
           </p:cNvSpPr>
@@ -414,50 +372,44 @@
           <a:p>
             <a:pPr lvl="0"/>
             <a:r>
-              <a:rPr kumimoji="1" lang="ko-KR" altLang="en-US"/>
+              <a:rPr lang="ko-KR" altLang="en-US"/>
               <a:t>마스터 텍스트 스타일을 편집하려면 클릭</a:t>
             </a:r>
           </a:p>
           <a:p>
             <a:pPr lvl="1"/>
             <a:r>
-              <a:rPr kumimoji="1" lang="ko-KR" altLang="en-US"/>
+              <a:rPr lang="ko-KR" altLang="en-US"/>
               <a:t>두 번째 수준</a:t>
             </a:r>
           </a:p>
           <a:p>
             <a:pPr lvl="2"/>
             <a:r>
-              <a:rPr kumimoji="1" lang="ko-KR" altLang="en-US"/>
+              <a:rPr lang="ko-KR" altLang="en-US"/>
               <a:t>세 번째 수준</a:t>
             </a:r>
           </a:p>
           <a:p>
             <a:pPr lvl="3"/>
             <a:r>
-              <a:rPr kumimoji="1" lang="ko-KR" altLang="en-US"/>
+              <a:rPr lang="ko-KR" altLang="en-US"/>
               <a:t>네 번째 수준</a:t>
             </a:r>
           </a:p>
           <a:p>
             <a:pPr lvl="4"/>
             <a:r>
-              <a:rPr kumimoji="1" lang="ko-KR" altLang="en-US"/>
+              <a:rPr lang="ko-KR" altLang="en-US"/>
               <a:t>다섯 번째 수준</a:t>
             </a:r>
-            <a:endParaRPr kumimoji="1" lang="ko-Kore-KR" altLang="en-US"/>
-          </a:p>
-        </p:txBody>
-      </p:sp>
-      <p:sp>
-        <p:nvSpPr>
-          <p:cNvPr id="4" name="날짜 개체 틀 3">
-            <a:extLst>
-              <a:ext uri="{FF2B5EF4-FFF2-40B4-BE49-F238E27FC236}">
-                <a16:creationId xmlns:a16="http://schemas.microsoft.com/office/drawing/2014/main" id="{322FE6F7-FF93-EF07-4096-CF8C05956F7E}"/>
-              </a:ext>
-            </a:extLst>
-          </p:cNvPr>
+            <a:endParaRPr lang="en-US" dirty="0"/>
+          </a:p>
+        </p:txBody>
+      </p:sp>
+      <p:sp>
+        <p:nvSpPr>
+          <p:cNvPr id="4" name="Date Placeholder 3"/>
           <p:cNvSpPr>
             <a:spLocks noGrp="1"/>
           </p:cNvSpPr>
@@ -480,13 +432,7 @@
       </p:sp>
       <p:sp>
         <p:nvSpPr>
-          <p:cNvPr id="5" name="바닥글 개체 틀 4">
-            <a:extLst>
-              <a:ext uri="{FF2B5EF4-FFF2-40B4-BE49-F238E27FC236}">
-                <a16:creationId xmlns:a16="http://schemas.microsoft.com/office/drawing/2014/main" id="{C5F33661-F03C-8394-FA62-AB2AAACF7E60}"/>
-              </a:ext>
-            </a:extLst>
-          </p:cNvPr>
+          <p:cNvPr id="5" name="Footer Placeholder 4"/>
           <p:cNvSpPr>
             <a:spLocks noGrp="1"/>
           </p:cNvSpPr>
@@ -505,13 +451,7 @@
       </p:sp>
       <p:sp>
         <p:nvSpPr>
-          <p:cNvPr id="6" name="슬라이드 번호 개체 틀 5">
-            <a:extLst>
-              <a:ext uri="{FF2B5EF4-FFF2-40B4-BE49-F238E27FC236}">
-                <a16:creationId xmlns:a16="http://schemas.microsoft.com/office/drawing/2014/main" id="{06E16DEE-D116-AD55-A5F0-5AD93075475E}"/>
-              </a:ext>
-            </a:extLst>
-          </p:cNvPr>
+          <p:cNvPr id="6" name="Slide Number Placeholder 5"/>
           <p:cNvSpPr>
             <a:spLocks noGrp="1"/>
           </p:cNvSpPr>
@@ -535,7 +475,7 @@
     </p:spTree>
     <p:extLst>
       <p:ext uri="{BB962C8B-B14F-4D97-AF65-F5344CB8AC3E}">
-        <p14:creationId xmlns:p14="http://schemas.microsoft.com/office/powerpoint/2010/main" val="2125733969"/>
+        <p14:creationId xmlns:p14="http://schemas.microsoft.com/office/powerpoint/2010/main" val="140129542"/>
       </p:ext>
     </p:extLst>
   </p:cSld>
@@ -564,13 +504,7 @@
       </p:grpSpPr>
       <p:sp>
         <p:nvSpPr>
-          <p:cNvPr id="2" name="세로 제목 1">
-            <a:extLst>
-              <a:ext uri="{FF2B5EF4-FFF2-40B4-BE49-F238E27FC236}">
-                <a16:creationId xmlns:a16="http://schemas.microsoft.com/office/drawing/2014/main" id="{591CDDB6-D6CA-23B1-423B-0C0D2C280704}"/>
-              </a:ext>
-            </a:extLst>
-          </p:cNvPr>
+          <p:cNvPr id="2" name="Vertical Title 1"/>
           <p:cNvSpPr>
             <a:spLocks noGrp="1"/>
           </p:cNvSpPr>
@@ -580,8 +514,8 @@
         </p:nvSpPr>
         <p:spPr>
           <a:xfrm>
-            <a:off x="8724900" y="365125"/>
-            <a:ext cx="2628900" cy="5811838"/>
+            <a:off x="4946382" y="245361"/>
+            <a:ext cx="1490395" cy="3905502"/>
           </a:xfrm>
         </p:spPr>
         <p:txBody>
@@ -589,22 +523,16 @@
           <a:lstStyle/>
           <a:p>
             <a:r>
-              <a:rPr kumimoji="1" lang="ko-KR" altLang="en-US"/>
+              <a:rPr lang="ko-KR" altLang="en-US"/>
               <a:t>마스터 제목 스타일 편집</a:t>
             </a:r>
-            <a:endParaRPr kumimoji="1" lang="ko-Kore-KR" altLang="en-US"/>
-          </a:p>
-        </p:txBody>
-      </p:sp>
-      <p:sp>
-        <p:nvSpPr>
-          <p:cNvPr id="3" name="세로 텍스트 개체 틀 2">
-            <a:extLst>
-              <a:ext uri="{FF2B5EF4-FFF2-40B4-BE49-F238E27FC236}">
-                <a16:creationId xmlns:a16="http://schemas.microsoft.com/office/drawing/2014/main" id="{BBEA315E-961A-11FA-8B6C-E305CF4A48AE}"/>
-              </a:ext>
-            </a:extLst>
-          </p:cNvPr>
+            <a:endParaRPr lang="en-US" dirty="0"/>
+          </a:p>
+        </p:txBody>
+      </p:sp>
+      <p:sp>
+        <p:nvSpPr>
+          <p:cNvPr id="3" name="Vertical Text Placeholder 2"/>
           <p:cNvSpPr>
             <a:spLocks noGrp="1"/>
           </p:cNvSpPr>
@@ -614,8 +542,8 @@
         </p:nvSpPr>
         <p:spPr>
           <a:xfrm>
-            <a:off x="838200" y="365125"/>
-            <a:ext cx="7734300" cy="5811838"/>
+            <a:off x="475199" y="245361"/>
+            <a:ext cx="4384784" cy="3905502"/>
           </a:xfrm>
         </p:spPr>
         <p:txBody>
@@ -624,50 +552,44 @@
           <a:p>
             <a:pPr lvl="0"/>
             <a:r>
-              <a:rPr kumimoji="1" lang="ko-KR" altLang="en-US"/>
+              <a:rPr lang="ko-KR" altLang="en-US"/>
               <a:t>마스터 텍스트 스타일을 편집하려면 클릭</a:t>
             </a:r>
           </a:p>
           <a:p>
             <a:pPr lvl="1"/>
             <a:r>
-              <a:rPr kumimoji="1" lang="ko-KR" altLang="en-US"/>
+              <a:rPr lang="ko-KR" altLang="en-US"/>
               <a:t>두 번째 수준</a:t>
             </a:r>
           </a:p>
           <a:p>
             <a:pPr lvl="2"/>
             <a:r>
-              <a:rPr kumimoji="1" lang="ko-KR" altLang="en-US"/>
+              <a:rPr lang="ko-KR" altLang="en-US"/>
               <a:t>세 번째 수준</a:t>
             </a:r>
           </a:p>
           <a:p>
             <a:pPr lvl="3"/>
             <a:r>
-              <a:rPr kumimoji="1" lang="ko-KR" altLang="en-US"/>
+              <a:rPr lang="ko-KR" altLang="en-US"/>
               <a:t>네 번째 수준</a:t>
             </a:r>
           </a:p>
           <a:p>
             <a:pPr lvl="4"/>
             <a:r>
-              <a:rPr kumimoji="1" lang="ko-KR" altLang="en-US"/>
+              <a:rPr lang="ko-KR" altLang="en-US"/>
               <a:t>다섯 번째 수준</a:t>
             </a:r>
-            <a:endParaRPr kumimoji="1" lang="ko-Kore-KR" altLang="en-US"/>
-          </a:p>
-        </p:txBody>
-      </p:sp>
-      <p:sp>
-        <p:nvSpPr>
-          <p:cNvPr id="4" name="날짜 개체 틀 3">
-            <a:extLst>
-              <a:ext uri="{FF2B5EF4-FFF2-40B4-BE49-F238E27FC236}">
-                <a16:creationId xmlns:a16="http://schemas.microsoft.com/office/drawing/2014/main" id="{91144E94-54DA-A7ED-63E0-9D118817D9F3}"/>
-              </a:ext>
-            </a:extLst>
-          </p:cNvPr>
+            <a:endParaRPr lang="en-US" dirty="0"/>
+          </a:p>
+        </p:txBody>
+      </p:sp>
+      <p:sp>
+        <p:nvSpPr>
+          <p:cNvPr id="4" name="Date Placeholder 3"/>
           <p:cNvSpPr>
             <a:spLocks noGrp="1"/>
           </p:cNvSpPr>
@@ -690,13 +612,7 @@
       </p:sp>
       <p:sp>
         <p:nvSpPr>
-          <p:cNvPr id="5" name="바닥글 개체 틀 4">
-            <a:extLst>
-              <a:ext uri="{FF2B5EF4-FFF2-40B4-BE49-F238E27FC236}">
-                <a16:creationId xmlns:a16="http://schemas.microsoft.com/office/drawing/2014/main" id="{734F6D4A-51CC-96E0-AC34-A77F7E1C1EA6}"/>
-              </a:ext>
-            </a:extLst>
-          </p:cNvPr>
+          <p:cNvPr id="5" name="Footer Placeholder 4"/>
           <p:cNvSpPr>
             <a:spLocks noGrp="1"/>
           </p:cNvSpPr>
@@ -715,13 +631,7 @@
       </p:sp>
       <p:sp>
         <p:nvSpPr>
-          <p:cNvPr id="6" name="슬라이드 번호 개체 틀 5">
-            <a:extLst>
-              <a:ext uri="{FF2B5EF4-FFF2-40B4-BE49-F238E27FC236}">
-                <a16:creationId xmlns:a16="http://schemas.microsoft.com/office/drawing/2014/main" id="{8F381F03-25C4-C641-929E-877790DB5E8D}"/>
-              </a:ext>
-            </a:extLst>
-          </p:cNvPr>
+          <p:cNvPr id="6" name="Slide Number Placeholder 5"/>
           <p:cNvSpPr>
             <a:spLocks noGrp="1"/>
           </p:cNvSpPr>
@@ -745,7 +655,7 @@
     </p:spTree>
     <p:extLst>
       <p:ext uri="{BB962C8B-B14F-4D97-AF65-F5344CB8AC3E}">
-        <p14:creationId xmlns:p14="http://schemas.microsoft.com/office/powerpoint/2010/main" val="4247626443"/>
+        <p14:creationId xmlns:p14="http://schemas.microsoft.com/office/powerpoint/2010/main" val="3861969732"/>
       </p:ext>
     </p:extLst>
   </p:cSld>
@@ -774,13 +684,7 @@
       </p:grpSpPr>
       <p:sp>
         <p:nvSpPr>
-          <p:cNvPr id="2" name="제목 1">
-            <a:extLst>
-              <a:ext uri="{FF2B5EF4-FFF2-40B4-BE49-F238E27FC236}">
-                <a16:creationId xmlns:a16="http://schemas.microsoft.com/office/drawing/2014/main" id="{8FB19F00-A13A-C65F-86E5-9E0BE799F3C9}"/>
-              </a:ext>
-            </a:extLst>
-          </p:cNvPr>
+          <p:cNvPr id="2" name="Title 1"/>
           <p:cNvSpPr>
             <a:spLocks noGrp="1"/>
           </p:cNvSpPr>
@@ -794,22 +698,16 @@
           <a:lstStyle/>
           <a:p>
             <a:r>
-              <a:rPr kumimoji="1" lang="ko-KR" altLang="en-US"/>
+              <a:rPr lang="ko-KR" altLang="en-US"/>
               <a:t>마스터 제목 스타일 편집</a:t>
             </a:r>
-            <a:endParaRPr kumimoji="1" lang="ko-Kore-KR" altLang="en-US"/>
-          </a:p>
-        </p:txBody>
-      </p:sp>
-      <p:sp>
-        <p:nvSpPr>
-          <p:cNvPr id="3" name="내용 개체 틀 2">
-            <a:extLst>
-              <a:ext uri="{FF2B5EF4-FFF2-40B4-BE49-F238E27FC236}">
-                <a16:creationId xmlns:a16="http://schemas.microsoft.com/office/drawing/2014/main" id="{50F22BCB-08CB-7B1A-3936-C30CE5B45B0C}"/>
-              </a:ext>
-            </a:extLst>
-          </p:cNvPr>
+            <a:endParaRPr lang="en-US" dirty="0"/>
+          </a:p>
+        </p:txBody>
+      </p:sp>
+      <p:sp>
+        <p:nvSpPr>
+          <p:cNvPr id="3" name="Content Placeholder 2"/>
           <p:cNvSpPr>
             <a:spLocks noGrp="1"/>
           </p:cNvSpPr>
@@ -824,50 +722,44 @@
           <a:p>
             <a:pPr lvl="0"/>
             <a:r>
-              <a:rPr kumimoji="1" lang="ko-KR" altLang="en-US"/>
+              <a:rPr lang="ko-KR" altLang="en-US"/>
               <a:t>마스터 텍스트 스타일을 편집하려면 클릭</a:t>
             </a:r>
           </a:p>
           <a:p>
             <a:pPr lvl="1"/>
             <a:r>
-              <a:rPr kumimoji="1" lang="ko-KR" altLang="en-US"/>
+              <a:rPr lang="ko-KR" altLang="en-US"/>
               <a:t>두 번째 수준</a:t>
             </a:r>
           </a:p>
           <a:p>
             <a:pPr lvl="2"/>
             <a:r>
-              <a:rPr kumimoji="1" lang="ko-KR" altLang="en-US"/>
+              <a:rPr lang="ko-KR" altLang="en-US"/>
               <a:t>세 번째 수준</a:t>
             </a:r>
           </a:p>
           <a:p>
             <a:pPr lvl="3"/>
             <a:r>
-              <a:rPr kumimoji="1" lang="ko-KR" altLang="en-US"/>
+              <a:rPr lang="ko-KR" altLang="en-US"/>
               <a:t>네 번째 수준</a:t>
             </a:r>
           </a:p>
           <a:p>
             <a:pPr lvl="4"/>
             <a:r>
-              <a:rPr kumimoji="1" lang="ko-KR" altLang="en-US"/>
+              <a:rPr lang="ko-KR" altLang="en-US"/>
               <a:t>다섯 번째 수준</a:t>
             </a:r>
-            <a:endParaRPr kumimoji="1" lang="ko-Kore-KR" altLang="en-US"/>
-          </a:p>
-        </p:txBody>
-      </p:sp>
-      <p:sp>
-        <p:nvSpPr>
-          <p:cNvPr id="4" name="날짜 개체 틀 3">
-            <a:extLst>
-              <a:ext uri="{FF2B5EF4-FFF2-40B4-BE49-F238E27FC236}">
-                <a16:creationId xmlns:a16="http://schemas.microsoft.com/office/drawing/2014/main" id="{6F3DEFBB-4F17-FC71-E0BE-BA5842F767ED}"/>
-              </a:ext>
-            </a:extLst>
-          </p:cNvPr>
+            <a:endParaRPr lang="en-US" dirty="0"/>
+          </a:p>
+        </p:txBody>
+      </p:sp>
+      <p:sp>
+        <p:nvSpPr>
+          <p:cNvPr id="4" name="Date Placeholder 3"/>
           <p:cNvSpPr>
             <a:spLocks noGrp="1"/>
           </p:cNvSpPr>
@@ -890,13 +782,7 @@
       </p:sp>
       <p:sp>
         <p:nvSpPr>
-          <p:cNvPr id="5" name="바닥글 개체 틀 4">
-            <a:extLst>
-              <a:ext uri="{FF2B5EF4-FFF2-40B4-BE49-F238E27FC236}">
-                <a16:creationId xmlns:a16="http://schemas.microsoft.com/office/drawing/2014/main" id="{C501E49F-3866-EF02-C18F-9FFE10441D06}"/>
-              </a:ext>
-            </a:extLst>
-          </p:cNvPr>
+          <p:cNvPr id="5" name="Footer Placeholder 4"/>
           <p:cNvSpPr>
             <a:spLocks noGrp="1"/>
           </p:cNvSpPr>
@@ -915,13 +801,7 @@
       </p:sp>
       <p:sp>
         <p:nvSpPr>
-          <p:cNvPr id="6" name="슬라이드 번호 개체 틀 5">
-            <a:extLst>
-              <a:ext uri="{FF2B5EF4-FFF2-40B4-BE49-F238E27FC236}">
-                <a16:creationId xmlns:a16="http://schemas.microsoft.com/office/drawing/2014/main" id="{F3EA4F7A-F509-3014-C27D-C4E393551A52}"/>
-              </a:ext>
-            </a:extLst>
-          </p:cNvPr>
+          <p:cNvPr id="6" name="Slide Number Placeholder 5"/>
           <p:cNvSpPr>
             <a:spLocks noGrp="1"/>
           </p:cNvSpPr>
@@ -945,7 +825,7 @@
     </p:spTree>
     <p:extLst>
       <p:ext uri="{BB962C8B-B14F-4D97-AF65-F5344CB8AC3E}">
-        <p14:creationId xmlns:p14="http://schemas.microsoft.com/office/powerpoint/2010/main" val="1666129569"/>
+        <p14:creationId xmlns:p14="http://schemas.microsoft.com/office/powerpoint/2010/main" val="3424950435"/>
       </p:ext>
     </p:extLst>
   </p:cSld>
@@ -974,13 +854,7 @@
       </p:grpSpPr>
       <p:sp>
         <p:nvSpPr>
-          <p:cNvPr id="2" name="제목 1">
-            <a:extLst>
-              <a:ext uri="{FF2B5EF4-FFF2-40B4-BE49-F238E27FC236}">
-                <a16:creationId xmlns:a16="http://schemas.microsoft.com/office/drawing/2014/main" id="{2F63FBAD-0E8F-8EB2-005E-88E7F37EEFDF}"/>
-              </a:ext>
-            </a:extLst>
-          </p:cNvPr>
+          <p:cNvPr id="2" name="Title 1"/>
           <p:cNvSpPr>
             <a:spLocks noGrp="1"/>
           </p:cNvSpPr>
@@ -990,35 +864,29 @@
         </p:nvSpPr>
         <p:spPr>
           <a:xfrm>
-            <a:off x="831850" y="1709738"/>
-            <a:ext cx="10515600" cy="2852737"/>
+            <a:off x="471599" y="1148929"/>
+            <a:ext cx="5961578" cy="1917013"/>
           </a:xfrm>
         </p:spPr>
         <p:txBody>
           <a:bodyPr anchor="b"/>
           <a:lstStyle>
             <a:lvl1pPr>
-              <a:defRPr sz="6000"/>
+              <a:defRPr sz="4032"/>
             </a:lvl1pPr>
           </a:lstStyle>
           <a:p>
             <a:r>
-              <a:rPr kumimoji="1" lang="ko-KR" altLang="en-US"/>
+              <a:rPr lang="ko-KR" altLang="en-US"/>
               <a:t>마스터 제목 스타일 편집</a:t>
             </a:r>
-            <a:endParaRPr kumimoji="1" lang="ko-Kore-KR" altLang="en-US"/>
-          </a:p>
-        </p:txBody>
-      </p:sp>
-      <p:sp>
-        <p:nvSpPr>
-          <p:cNvPr id="3" name="텍스트 개체 틀 2">
-            <a:extLst>
-              <a:ext uri="{FF2B5EF4-FFF2-40B4-BE49-F238E27FC236}">
-                <a16:creationId xmlns:a16="http://schemas.microsoft.com/office/drawing/2014/main" id="{FBBA53A2-BFBE-9EDD-B0AE-6F76D6ED70CF}"/>
-              </a:ext>
-            </a:extLst>
-          </p:cNvPr>
+            <a:endParaRPr lang="en-US" dirty="0"/>
+          </a:p>
+        </p:txBody>
+      </p:sp>
+      <p:sp>
+        <p:nvSpPr>
+          <p:cNvPr id="3" name="Text Placeholder 2"/>
           <p:cNvSpPr>
             <a:spLocks noGrp="1"/>
           </p:cNvSpPr>
@@ -1028,8 +896,8 @@
         </p:nvSpPr>
         <p:spPr>
           <a:xfrm>
-            <a:off x="831850" y="4589463"/>
-            <a:ext cx="10515600" cy="1500187"/>
+            <a:off x="471599" y="3084078"/>
+            <a:ext cx="5961578" cy="1008112"/>
           </a:xfrm>
         </p:spPr>
         <p:txBody>
@@ -1037,17 +905,15 @@
           <a:lstStyle>
             <a:lvl1pPr marL="0" indent="0">
               <a:buNone/>
-              <a:defRPr sz="2400">
+              <a:defRPr sz="1613">
                 <a:solidFill>
-                  <a:schemeClr val="tx1">
-                    <a:tint val="75000"/>
-                  </a:schemeClr>
+                  <a:schemeClr val="tx1"/>
                 </a:solidFill>
               </a:defRPr>
             </a:lvl1pPr>
-            <a:lvl2pPr marL="457200" indent="0">
-              <a:buNone/>
-              <a:defRPr sz="2000">
+            <a:lvl2pPr marL="307238" indent="0">
+              <a:buNone/>
+              <a:defRPr sz="1344">
                 <a:solidFill>
                   <a:schemeClr val="tx1">
                     <a:tint val="75000"/>
@@ -1055,9 +921,9 @@
                 </a:solidFill>
               </a:defRPr>
             </a:lvl2pPr>
-            <a:lvl3pPr marL="914400" indent="0">
-              <a:buNone/>
-              <a:defRPr sz="1800">
+            <a:lvl3pPr marL="614477" indent="0">
+              <a:buNone/>
+              <a:defRPr sz="1210">
                 <a:solidFill>
                   <a:schemeClr val="tx1">
                     <a:tint val="75000"/>
@@ -1065,9 +931,9 @@
                 </a:solidFill>
               </a:defRPr>
             </a:lvl3pPr>
-            <a:lvl4pPr marL="1371600" indent="0">
-              <a:buNone/>
-              <a:defRPr sz="1600">
+            <a:lvl4pPr marL="921715" indent="0">
+              <a:buNone/>
+              <a:defRPr sz="1075">
                 <a:solidFill>
                   <a:schemeClr val="tx1">
                     <a:tint val="75000"/>
@@ -1075,9 +941,9 @@
                 </a:solidFill>
               </a:defRPr>
             </a:lvl4pPr>
-            <a:lvl5pPr marL="1828800" indent="0">
-              <a:buNone/>
-              <a:defRPr sz="1600">
+            <a:lvl5pPr marL="1228954" indent="0">
+              <a:buNone/>
+              <a:defRPr sz="1075">
                 <a:solidFill>
                   <a:schemeClr val="tx1">
                     <a:tint val="75000"/>
@@ -1085,9 +951,9 @@
                 </a:solidFill>
               </a:defRPr>
             </a:lvl5pPr>
-            <a:lvl6pPr marL="2286000" indent="0">
-              <a:buNone/>
-              <a:defRPr sz="1600">
+            <a:lvl6pPr marL="1536192" indent="0">
+              <a:buNone/>
+              <a:defRPr sz="1075">
                 <a:solidFill>
                   <a:schemeClr val="tx1">
                     <a:tint val="75000"/>
@@ -1095,9 +961,9 @@
                 </a:solidFill>
               </a:defRPr>
             </a:lvl6pPr>
-            <a:lvl7pPr marL="2743200" indent="0">
-              <a:buNone/>
-              <a:defRPr sz="1600">
+            <a:lvl7pPr marL="1843430" indent="0">
+              <a:buNone/>
+              <a:defRPr sz="1075">
                 <a:solidFill>
                   <a:schemeClr val="tx1">
                     <a:tint val="75000"/>
@@ -1105,9 +971,9 @@
                 </a:solidFill>
               </a:defRPr>
             </a:lvl7pPr>
-            <a:lvl8pPr marL="3200400" indent="0">
-              <a:buNone/>
-              <a:defRPr sz="1600">
+            <a:lvl8pPr marL="2150669" indent="0">
+              <a:buNone/>
+              <a:defRPr sz="1075">
                 <a:solidFill>
                   <a:schemeClr val="tx1">
                     <a:tint val="75000"/>
@@ -1115,9 +981,9 @@
                 </a:solidFill>
               </a:defRPr>
             </a:lvl8pPr>
-            <a:lvl9pPr marL="3657600" indent="0">
-              <a:buNone/>
-              <a:defRPr sz="1600">
+            <a:lvl9pPr marL="2457907" indent="0">
+              <a:buNone/>
+              <a:defRPr sz="1075">
                 <a:solidFill>
                   <a:schemeClr val="tx1">
                     <a:tint val="75000"/>
@@ -1129,7 +995,7 @@
           <a:p>
             <a:pPr lvl="0"/>
             <a:r>
-              <a:rPr kumimoji="1" lang="ko-KR" altLang="en-US"/>
+              <a:rPr lang="ko-KR" altLang="en-US"/>
               <a:t>마스터 텍스트 스타일을 편집하려면 클릭</a:t>
             </a:r>
           </a:p>
@@ -1137,13 +1003,7 @@
       </p:sp>
       <p:sp>
         <p:nvSpPr>
-          <p:cNvPr id="4" name="날짜 개체 틀 3">
-            <a:extLst>
-              <a:ext uri="{FF2B5EF4-FFF2-40B4-BE49-F238E27FC236}">
-                <a16:creationId xmlns:a16="http://schemas.microsoft.com/office/drawing/2014/main" id="{056A645F-6014-4E13-93CD-FE4D312857ED}"/>
-              </a:ext>
-            </a:extLst>
-          </p:cNvPr>
+          <p:cNvPr id="4" name="Date Placeholder 3"/>
           <p:cNvSpPr>
             <a:spLocks noGrp="1"/>
           </p:cNvSpPr>
@@ -1166,13 +1026,7 @@
       </p:sp>
       <p:sp>
         <p:nvSpPr>
-          <p:cNvPr id="5" name="바닥글 개체 틀 4">
-            <a:extLst>
-              <a:ext uri="{FF2B5EF4-FFF2-40B4-BE49-F238E27FC236}">
-                <a16:creationId xmlns:a16="http://schemas.microsoft.com/office/drawing/2014/main" id="{DD4C69DE-7FF7-76D3-FEE0-908BF07CE531}"/>
-              </a:ext>
-            </a:extLst>
-          </p:cNvPr>
+          <p:cNvPr id="5" name="Footer Placeholder 4"/>
           <p:cNvSpPr>
             <a:spLocks noGrp="1"/>
           </p:cNvSpPr>
@@ -1191,13 +1045,7 @@
       </p:sp>
       <p:sp>
         <p:nvSpPr>
-          <p:cNvPr id="6" name="슬라이드 번호 개체 틀 5">
-            <a:extLst>
-              <a:ext uri="{FF2B5EF4-FFF2-40B4-BE49-F238E27FC236}">
-                <a16:creationId xmlns:a16="http://schemas.microsoft.com/office/drawing/2014/main" id="{33C6B587-5B78-67FC-B75C-9B0DF29B69C6}"/>
-              </a:ext>
-            </a:extLst>
-          </p:cNvPr>
+          <p:cNvPr id="6" name="Slide Number Placeholder 5"/>
           <p:cNvSpPr>
             <a:spLocks noGrp="1"/>
           </p:cNvSpPr>
@@ -1221,7 +1069,7 @@
     </p:spTree>
     <p:extLst>
       <p:ext uri="{BB962C8B-B14F-4D97-AF65-F5344CB8AC3E}">
-        <p14:creationId xmlns:p14="http://schemas.microsoft.com/office/powerpoint/2010/main" val="2368687685"/>
+        <p14:creationId xmlns:p14="http://schemas.microsoft.com/office/powerpoint/2010/main" val="2391230873"/>
       </p:ext>
     </p:extLst>
   </p:cSld>
@@ -1250,13 +1098,7 @@
       </p:grpSpPr>
       <p:sp>
         <p:nvSpPr>
-          <p:cNvPr id="2" name="제목 1">
-            <a:extLst>
-              <a:ext uri="{FF2B5EF4-FFF2-40B4-BE49-F238E27FC236}">
-                <a16:creationId xmlns:a16="http://schemas.microsoft.com/office/drawing/2014/main" id="{57DA2927-98D9-64C3-D77F-C7949B45E808}"/>
-              </a:ext>
-            </a:extLst>
-          </p:cNvPr>
+          <p:cNvPr id="2" name="Title 1"/>
           <p:cNvSpPr>
             <a:spLocks noGrp="1"/>
           </p:cNvSpPr>
@@ -1270,22 +1112,16 @@
           <a:lstStyle/>
           <a:p>
             <a:r>
-              <a:rPr kumimoji="1" lang="ko-KR" altLang="en-US"/>
+              <a:rPr lang="ko-KR" altLang="en-US"/>
               <a:t>마스터 제목 스타일 편집</a:t>
             </a:r>
-            <a:endParaRPr kumimoji="1" lang="ko-Kore-KR" altLang="en-US"/>
-          </a:p>
-        </p:txBody>
-      </p:sp>
-      <p:sp>
-        <p:nvSpPr>
-          <p:cNvPr id="3" name="내용 개체 틀 2">
-            <a:extLst>
-              <a:ext uri="{FF2B5EF4-FFF2-40B4-BE49-F238E27FC236}">
-                <a16:creationId xmlns:a16="http://schemas.microsoft.com/office/drawing/2014/main" id="{F3A1B489-0EDE-5228-D83E-2D7652A0FBF3}"/>
-              </a:ext>
-            </a:extLst>
-          </p:cNvPr>
+            <a:endParaRPr lang="en-US" dirty="0"/>
+          </a:p>
+        </p:txBody>
+      </p:sp>
+      <p:sp>
+        <p:nvSpPr>
+          <p:cNvPr id="3" name="Content Placeholder 2"/>
           <p:cNvSpPr>
             <a:spLocks noGrp="1"/>
           </p:cNvSpPr>
@@ -1295,8 +1131,8 @@
         </p:nvSpPr>
         <p:spPr>
           <a:xfrm>
-            <a:off x="838200" y="1825625"/>
-            <a:ext cx="5181600" cy="4351338"/>
+            <a:off x="475198" y="1226803"/>
+            <a:ext cx="2937589" cy="2924059"/>
           </a:xfrm>
         </p:spPr>
         <p:txBody>
@@ -1305,50 +1141,44 @@
           <a:p>
             <a:pPr lvl="0"/>
             <a:r>
-              <a:rPr kumimoji="1" lang="ko-KR" altLang="en-US"/>
+              <a:rPr lang="ko-KR" altLang="en-US"/>
               <a:t>마스터 텍스트 스타일을 편집하려면 클릭</a:t>
             </a:r>
           </a:p>
           <a:p>
             <a:pPr lvl="1"/>
             <a:r>
-              <a:rPr kumimoji="1" lang="ko-KR" altLang="en-US"/>
+              <a:rPr lang="ko-KR" altLang="en-US"/>
               <a:t>두 번째 수준</a:t>
             </a:r>
           </a:p>
           <a:p>
             <a:pPr lvl="2"/>
             <a:r>
-              <a:rPr kumimoji="1" lang="ko-KR" altLang="en-US"/>
+              <a:rPr lang="ko-KR" altLang="en-US"/>
               <a:t>세 번째 수준</a:t>
             </a:r>
           </a:p>
           <a:p>
             <a:pPr lvl="3"/>
             <a:r>
-              <a:rPr kumimoji="1" lang="ko-KR" altLang="en-US"/>
+              <a:rPr lang="ko-KR" altLang="en-US"/>
               <a:t>네 번째 수준</a:t>
             </a:r>
           </a:p>
           <a:p>
             <a:pPr lvl="4"/>
             <a:r>
-              <a:rPr kumimoji="1" lang="ko-KR" altLang="en-US"/>
+              <a:rPr lang="ko-KR" altLang="en-US"/>
               <a:t>다섯 번째 수준</a:t>
             </a:r>
-            <a:endParaRPr kumimoji="1" lang="ko-Kore-KR" altLang="en-US"/>
-          </a:p>
-        </p:txBody>
-      </p:sp>
-      <p:sp>
-        <p:nvSpPr>
-          <p:cNvPr id="4" name="내용 개체 틀 3">
-            <a:extLst>
-              <a:ext uri="{FF2B5EF4-FFF2-40B4-BE49-F238E27FC236}">
-                <a16:creationId xmlns:a16="http://schemas.microsoft.com/office/drawing/2014/main" id="{516D6B94-07C0-2ED3-D22A-25630414D9D4}"/>
-              </a:ext>
-            </a:extLst>
-          </p:cNvPr>
+            <a:endParaRPr lang="en-US" dirty="0"/>
+          </a:p>
+        </p:txBody>
+      </p:sp>
+      <p:sp>
+        <p:nvSpPr>
+          <p:cNvPr id="4" name="Content Placeholder 3"/>
           <p:cNvSpPr>
             <a:spLocks noGrp="1"/>
           </p:cNvSpPr>
@@ -1358,8 +1188,8 @@
         </p:nvSpPr>
         <p:spPr>
           <a:xfrm>
-            <a:off x="6172200" y="1825625"/>
-            <a:ext cx="5181600" cy="4351338"/>
+            <a:off x="3499188" y="1226803"/>
+            <a:ext cx="2937589" cy="2924059"/>
           </a:xfrm>
         </p:spPr>
         <p:txBody>
@@ -1368,50 +1198,44 @@
           <a:p>
             <a:pPr lvl="0"/>
             <a:r>
-              <a:rPr kumimoji="1" lang="ko-KR" altLang="en-US"/>
+              <a:rPr lang="ko-KR" altLang="en-US"/>
               <a:t>마스터 텍스트 스타일을 편집하려면 클릭</a:t>
             </a:r>
           </a:p>
           <a:p>
             <a:pPr lvl="1"/>
             <a:r>
-              <a:rPr kumimoji="1" lang="ko-KR" altLang="en-US"/>
+              <a:rPr lang="ko-KR" altLang="en-US"/>
               <a:t>두 번째 수준</a:t>
             </a:r>
           </a:p>
           <a:p>
             <a:pPr lvl="2"/>
             <a:r>
-              <a:rPr kumimoji="1" lang="ko-KR" altLang="en-US"/>
+              <a:rPr lang="ko-KR" altLang="en-US"/>
               <a:t>세 번째 수준</a:t>
             </a:r>
           </a:p>
           <a:p>
             <a:pPr lvl="3"/>
             <a:r>
-              <a:rPr kumimoji="1" lang="ko-KR" altLang="en-US"/>
+              <a:rPr lang="ko-KR" altLang="en-US"/>
               <a:t>네 번째 수준</a:t>
             </a:r>
           </a:p>
           <a:p>
             <a:pPr lvl="4"/>
             <a:r>
-              <a:rPr kumimoji="1" lang="ko-KR" altLang="en-US"/>
+              <a:rPr lang="ko-KR" altLang="en-US"/>
               <a:t>다섯 번째 수준</a:t>
             </a:r>
-            <a:endParaRPr kumimoji="1" lang="ko-Kore-KR" altLang="en-US"/>
-          </a:p>
-        </p:txBody>
-      </p:sp>
-      <p:sp>
-        <p:nvSpPr>
-          <p:cNvPr id="5" name="날짜 개체 틀 4">
-            <a:extLst>
-              <a:ext uri="{FF2B5EF4-FFF2-40B4-BE49-F238E27FC236}">
-                <a16:creationId xmlns:a16="http://schemas.microsoft.com/office/drawing/2014/main" id="{A192C633-9FB5-07BC-FCDC-7B0DE9804F4B}"/>
-              </a:ext>
-            </a:extLst>
-          </p:cNvPr>
+            <a:endParaRPr lang="en-US" dirty="0"/>
+          </a:p>
+        </p:txBody>
+      </p:sp>
+      <p:sp>
+        <p:nvSpPr>
+          <p:cNvPr id="5" name="Date Placeholder 4"/>
           <p:cNvSpPr>
             <a:spLocks noGrp="1"/>
           </p:cNvSpPr>
@@ -1434,13 +1258,7 @@
       </p:sp>
       <p:sp>
         <p:nvSpPr>
-          <p:cNvPr id="6" name="바닥글 개체 틀 5">
-            <a:extLst>
-              <a:ext uri="{FF2B5EF4-FFF2-40B4-BE49-F238E27FC236}">
-                <a16:creationId xmlns:a16="http://schemas.microsoft.com/office/drawing/2014/main" id="{1EFC5AA5-EB22-F6DA-012E-7796109319F9}"/>
-              </a:ext>
-            </a:extLst>
-          </p:cNvPr>
+          <p:cNvPr id="6" name="Footer Placeholder 5"/>
           <p:cNvSpPr>
             <a:spLocks noGrp="1"/>
           </p:cNvSpPr>
@@ -1459,13 +1277,7 @@
       </p:sp>
       <p:sp>
         <p:nvSpPr>
-          <p:cNvPr id="7" name="슬라이드 번호 개체 틀 6">
-            <a:extLst>
-              <a:ext uri="{FF2B5EF4-FFF2-40B4-BE49-F238E27FC236}">
-                <a16:creationId xmlns:a16="http://schemas.microsoft.com/office/drawing/2014/main" id="{2D540A3E-5925-AA7D-F3A0-0AE2AC5BD086}"/>
-              </a:ext>
-            </a:extLst>
-          </p:cNvPr>
+          <p:cNvPr id="7" name="Slide Number Placeholder 6"/>
           <p:cNvSpPr>
             <a:spLocks noGrp="1"/>
           </p:cNvSpPr>
@@ -1489,7 +1301,7 @@
     </p:spTree>
     <p:extLst>
       <p:ext uri="{BB962C8B-B14F-4D97-AF65-F5344CB8AC3E}">
-        <p14:creationId xmlns:p14="http://schemas.microsoft.com/office/powerpoint/2010/main" val="2808574960"/>
+        <p14:creationId xmlns:p14="http://schemas.microsoft.com/office/powerpoint/2010/main" val="537348765"/>
       </p:ext>
     </p:extLst>
   </p:cSld>
@@ -1518,13 +1330,7 @@
       </p:grpSpPr>
       <p:sp>
         <p:nvSpPr>
-          <p:cNvPr id="2" name="제목 1">
-            <a:extLst>
-              <a:ext uri="{FF2B5EF4-FFF2-40B4-BE49-F238E27FC236}">
-                <a16:creationId xmlns:a16="http://schemas.microsoft.com/office/drawing/2014/main" id="{A8C21A19-2EB0-85C1-8F58-A8F087C7507C}"/>
-              </a:ext>
-            </a:extLst>
-          </p:cNvPr>
+          <p:cNvPr id="2" name="Title 1"/>
           <p:cNvSpPr>
             <a:spLocks noGrp="1"/>
           </p:cNvSpPr>
@@ -1534,8 +1340,8 @@
         </p:nvSpPr>
         <p:spPr>
           <a:xfrm>
-            <a:off x="839788" y="365125"/>
-            <a:ext cx="10515600" cy="1325563"/>
+            <a:off x="476099" y="245362"/>
+            <a:ext cx="5961578" cy="890766"/>
           </a:xfrm>
         </p:spPr>
         <p:txBody>
@@ -1543,22 +1349,16 @@
           <a:lstStyle/>
           <a:p>
             <a:r>
-              <a:rPr kumimoji="1" lang="ko-KR" altLang="en-US"/>
+              <a:rPr lang="ko-KR" altLang="en-US"/>
               <a:t>마스터 제목 스타일 편집</a:t>
             </a:r>
-            <a:endParaRPr kumimoji="1" lang="ko-Kore-KR" altLang="en-US"/>
-          </a:p>
-        </p:txBody>
-      </p:sp>
-      <p:sp>
-        <p:nvSpPr>
-          <p:cNvPr id="3" name="텍스트 개체 틀 2">
-            <a:extLst>
-              <a:ext uri="{FF2B5EF4-FFF2-40B4-BE49-F238E27FC236}">
-                <a16:creationId xmlns:a16="http://schemas.microsoft.com/office/drawing/2014/main" id="{309DF644-F12E-DCDE-43E5-77D81A10F2A7}"/>
-              </a:ext>
-            </a:extLst>
-          </p:cNvPr>
+            <a:endParaRPr lang="en-US" dirty="0"/>
+          </a:p>
+        </p:txBody>
+      </p:sp>
+      <p:sp>
+        <p:nvSpPr>
+          <p:cNvPr id="3" name="Text Placeholder 2"/>
           <p:cNvSpPr>
             <a:spLocks noGrp="1"/>
           </p:cNvSpPr>
@@ -1568,8 +1368,8 @@
         </p:nvSpPr>
         <p:spPr>
           <a:xfrm>
-            <a:off x="839788" y="1681163"/>
-            <a:ext cx="5157787" cy="823912"/>
+            <a:off x="476099" y="1129726"/>
+            <a:ext cx="2924089" cy="553661"/>
           </a:xfrm>
         </p:spPr>
         <p:txBody>
@@ -1577,45 +1377,45 @@
           <a:lstStyle>
             <a:lvl1pPr marL="0" indent="0">
               <a:buNone/>
-              <a:defRPr sz="2400" b="1"/>
+              <a:defRPr sz="1613" b="1"/>
             </a:lvl1pPr>
-            <a:lvl2pPr marL="457200" indent="0">
-              <a:buNone/>
-              <a:defRPr sz="2000" b="1"/>
+            <a:lvl2pPr marL="307238" indent="0">
+              <a:buNone/>
+              <a:defRPr sz="1344" b="1"/>
             </a:lvl2pPr>
-            <a:lvl3pPr marL="914400" indent="0">
-              <a:buNone/>
-              <a:defRPr sz="1800" b="1"/>
+            <a:lvl3pPr marL="614477" indent="0">
+              <a:buNone/>
+              <a:defRPr sz="1210" b="1"/>
             </a:lvl3pPr>
-            <a:lvl4pPr marL="1371600" indent="0">
-              <a:buNone/>
-              <a:defRPr sz="1600" b="1"/>
+            <a:lvl4pPr marL="921715" indent="0">
+              <a:buNone/>
+              <a:defRPr sz="1075" b="1"/>
             </a:lvl4pPr>
-            <a:lvl5pPr marL="1828800" indent="0">
-              <a:buNone/>
-              <a:defRPr sz="1600" b="1"/>
+            <a:lvl5pPr marL="1228954" indent="0">
+              <a:buNone/>
+              <a:defRPr sz="1075" b="1"/>
             </a:lvl5pPr>
-            <a:lvl6pPr marL="2286000" indent="0">
-              <a:buNone/>
-              <a:defRPr sz="1600" b="1"/>
+            <a:lvl6pPr marL="1536192" indent="0">
+              <a:buNone/>
+              <a:defRPr sz="1075" b="1"/>
             </a:lvl6pPr>
-            <a:lvl7pPr marL="2743200" indent="0">
-              <a:buNone/>
-              <a:defRPr sz="1600" b="1"/>
+            <a:lvl7pPr marL="1843430" indent="0">
+              <a:buNone/>
+              <a:defRPr sz="1075" b="1"/>
             </a:lvl7pPr>
-            <a:lvl8pPr marL="3200400" indent="0">
-              <a:buNone/>
-              <a:defRPr sz="1600" b="1"/>
+            <a:lvl8pPr marL="2150669" indent="0">
+              <a:buNone/>
+              <a:defRPr sz="1075" b="1"/>
             </a:lvl8pPr>
-            <a:lvl9pPr marL="3657600" indent="0">
-              <a:buNone/>
-              <a:defRPr sz="1600" b="1"/>
+            <a:lvl9pPr marL="2457907" indent="0">
+              <a:buNone/>
+              <a:defRPr sz="1075" b="1"/>
             </a:lvl9pPr>
           </a:lstStyle>
           <a:p>
             <a:pPr lvl="0"/>
             <a:r>
-              <a:rPr kumimoji="1" lang="ko-KR" altLang="en-US"/>
+              <a:rPr lang="ko-KR" altLang="en-US"/>
               <a:t>마스터 텍스트 스타일을 편집하려면 클릭</a:t>
             </a:r>
           </a:p>
@@ -1623,13 +1423,7 @@
       </p:sp>
       <p:sp>
         <p:nvSpPr>
-          <p:cNvPr id="4" name="내용 개체 틀 3">
-            <a:extLst>
-              <a:ext uri="{FF2B5EF4-FFF2-40B4-BE49-F238E27FC236}">
-                <a16:creationId xmlns:a16="http://schemas.microsoft.com/office/drawing/2014/main" id="{363F5310-8F0B-4A6B-A40E-640CAF546FD9}"/>
-              </a:ext>
-            </a:extLst>
-          </p:cNvPr>
+          <p:cNvPr id="4" name="Content Placeholder 3"/>
           <p:cNvSpPr>
             <a:spLocks noGrp="1"/>
           </p:cNvSpPr>
@@ -1639,8 +1433,8 @@
         </p:nvSpPr>
         <p:spPr>
           <a:xfrm>
-            <a:off x="839788" y="2505075"/>
-            <a:ext cx="5157787" cy="3684588"/>
+            <a:off x="476099" y="1683388"/>
+            <a:ext cx="2924089" cy="2476009"/>
           </a:xfrm>
         </p:spPr>
         <p:txBody>
@@ -1649,50 +1443,44 @@
           <a:p>
             <a:pPr lvl="0"/>
             <a:r>
-              <a:rPr kumimoji="1" lang="ko-KR" altLang="en-US"/>
+              <a:rPr lang="ko-KR" altLang="en-US"/>
               <a:t>마스터 텍스트 스타일을 편집하려면 클릭</a:t>
             </a:r>
           </a:p>
           <a:p>
             <a:pPr lvl="1"/>
             <a:r>
-              <a:rPr kumimoji="1" lang="ko-KR" altLang="en-US"/>
+              <a:rPr lang="ko-KR" altLang="en-US"/>
               <a:t>두 번째 수준</a:t>
             </a:r>
           </a:p>
           <a:p>
             <a:pPr lvl="2"/>
             <a:r>
-              <a:rPr kumimoji="1" lang="ko-KR" altLang="en-US"/>
+              <a:rPr lang="ko-KR" altLang="en-US"/>
               <a:t>세 번째 수준</a:t>
             </a:r>
           </a:p>
           <a:p>
             <a:pPr lvl="3"/>
             <a:r>
-              <a:rPr kumimoji="1" lang="ko-KR" altLang="en-US"/>
+              <a:rPr lang="ko-KR" altLang="en-US"/>
               <a:t>네 번째 수준</a:t>
             </a:r>
           </a:p>
           <a:p>
             <a:pPr lvl="4"/>
             <a:r>
-              <a:rPr kumimoji="1" lang="ko-KR" altLang="en-US"/>
+              <a:rPr lang="ko-KR" altLang="en-US"/>
               <a:t>다섯 번째 수준</a:t>
             </a:r>
-            <a:endParaRPr kumimoji="1" lang="ko-Kore-KR" altLang="en-US"/>
-          </a:p>
-        </p:txBody>
-      </p:sp>
-      <p:sp>
-        <p:nvSpPr>
-          <p:cNvPr id="5" name="텍스트 개체 틀 4">
-            <a:extLst>
-              <a:ext uri="{FF2B5EF4-FFF2-40B4-BE49-F238E27FC236}">
-                <a16:creationId xmlns:a16="http://schemas.microsoft.com/office/drawing/2014/main" id="{A054BBD4-D189-6155-E37B-B42EAEE9CF24}"/>
-              </a:ext>
-            </a:extLst>
-          </p:cNvPr>
+            <a:endParaRPr lang="en-US" dirty="0"/>
+          </a:p>
+        </p:txBody>
+      </p:sp>
+      <p:sp>
+        <p:nvSpPr>
+          <p:cNvPr id="5" name="Text Placeholder 4"/>
           <p:cNvSpPr>
             <a:spLocks noGrp="1"/>
           </p:cNvSpPr>
@@ -1702,8 +1490,8 @@
         </p:nvSpPr>
         <p:spPr>
           <a:xfrm>
-            <a:off x="6172200" y="1681163"/>
-            <a:ext cx="5183188" cy="823912"/>
+            <a:off x="3499188" y="1129726"/>
+            <a:ext cx="2938490" cy="553661"/>
           </a:xfrm>
         </p:spPr>
         <p:txBody>
@@ -1711,45 +1499,45 @@
           <a:lstStyle>
             <a:lvl1pPr marL="0" indent="0">
               <a:buNone/>
-              <a:defRPr sz="2400" b="1"/>
+              <a:defRPr sz="1613" b="1"/>
             </a:lvl1pPr>
-            <a:lvl2pPr marL="457200" indent="0">
-              <a:buNone/>
-              <a:defRPr sz="2000" b="1"/>
+            <a:lvl2pPr marL="307238" indent="0">
+              <a:buNone/>
+              <a:defRPr sz="1344" b="1"/>
             </a:lvl2pPr>
-            <a:lvl3pPr marL="914400" indent="0">
-              <a:buNone/>
-              <a:defRPr sz="1800" b="1"/>
+            <a:lvl3pPr marL="614477" indent="0">
+              <a:buNone/>
+              <a:defRPr sz="1210" b="1"/>
             </a:lvl3pPr>
-            <a:lvl4pPr marL="1371600" indent="0">
-              <a:buNone/>
-              <a:defRPr sz="1600" b="1"/>
+            <a:lvl4pPr marL="921715" indent="0">
+              <a:buNone/>
+              <a:defRPr sz="1075" b="1"/>
             </a:lvl4pPr>
-            <a:lvl5pPr marL="1828800" indent="0">
-              <a:buNone/>
-              <a:defRPr sz="1600" b="1"/>
+            <a:lvl5pPr marL="1228954" indent="0">
+              <a:buNone/>
+              <a:defRPr sz="1075" b="1"/>
             </a:lvl5pPr>
-            <a:lvl6pPr marL="2286000" indent="0">
-              <a:buNone/>
-              <a:defRPr sz="1600" b="1"/>
+            <a:lvl6pPr marL="1536192" indent="0">
+              <a:buNone/>
+              <a:defRPr sz="1075" b="1"/>
             </a:lvl6pPr>
-            <a:lvl7pPr marL="2743200" indent="0">
-              <a:buNone/>
-              <a:defRPr sz="1600" b="1"/>
+            <a:lvl7pPr marL="1843430" indent="0">
+              <a:buNone/>
+              <a:defRPr sz="1075" b="1"/>
             </a:lvl7pPr>
-            <a:lvl8pPr marL="3200400" indent="0">
-              <a:buNone/>
-              <a:defRPr sz="1600" b="1"/>
+            <a:lvl8pPr marL="2150669" indent="0">
+              <a:buNone/>
+              <a:defRPr sz="1075" b="1"/>
             </a:lvl8pPr>
-            <a:lvl9pPr marL="3657600" indent="0">
-              <a:buNone/>
-              <a:defRPr sz="1600" b="1"/>
+            <a:lvl9pPr marL="2457907" indent="0">
+              <a:buNone/>
+              <a:defRPr sz="1075" b="1"/>
             </a:lvl9pPr>
           </a:lstStyle>
           <a:p>
             <a:pPr lvl="0"/>
             <a:r>
-              <a:rPr kumimoji="1" lang="ko-KR" altLang="en-US"/>
+              <a:rPr lang="ko-KR" altLang="en-US"/>
               <a:t>마스터 텍스트 스타일을 편집하려면 클릭</a:t>
             </a:r>
           </a:p>
@@ -1757,13 +1545,7 @@
       </p:sp>
       <p:sp>
         <p:nvSpPr>
-          <p:cNvPr id="6" name="내용 개체 틀 5">
-            <a:extLst>
-              <a:ext uri="{FF2B5EF4-FFF2-40B4-BE49-F238E27FC236}">
-                <a16:creationId xmlns:a16="http://schemas.microsoft.com/office/drawing/2014/main" id="{7644BFA0-9F05-6A03-797C-3C9154C2A0DA}"/>
-              </a:ext>
-            </a:extLst>
-          </p:cNvPr>
+          <p:cNvPr id="6" name="Content Placeholder 5"/>
           <p:cNvSpPr>
             <a:spLocks noGrp="1"/>
           </p:cNvSpPr>
@@ -1773,8 +1555,8 @@
         </p:nvSpPr>
         <p:spPr>
           <a:xfrm>
-            <a:off x="6172200" y="2505075"/>
-            <a:ext cx="5183188" cy="3684588"/>
+            <a:off x="3499188" y="1683388"/>
+            <a:ext cx="2938490" cy="2476009"/>
           </a:xfrm>
         </p:spPr>
         <p:txBody>
@@ -1783,50 +1565,44 @@
           <a:p>
             <a:pPr lvl="0"/>
             <a:r>
-              <a:rPr kumimoji="1" lang="ko-KR" altLang="en-US"/>
+              <a:rPr lang="ko-KR" altLang="en-US"/>
               <a:t>마스터 텍스트 스타일을 편집하려면 클릭</a:t>
             </a:r>
           </a:p>
           <a:p>
             <a:pPr lvl="1"/>
             <a:r>
-              <a:rPr kumimoji="1" lang="ko-KR" altLang="en-US"/>
+              <a:rPr lang="ko-KR" altLang="en-US"/>
               <a:t>두 번째 수준</a:t>
             </a:r>
           </a:p>
           <a:p>
             <a:pPr lvl="2"/>
             <a:r>
-              <a:rPr kumimoji="1" lang="ko-KR" altLang="en-US"/>
+              <a:rPr lang="ko-KR" altLang="en-US"/>
               <a:t>세 번째 수준</a:t>
             </a:r>
           </a:p>
           <a:p>
             <a:pPr lvl="3"/>
             <a:r>
-              <a:rPr kumimoji="1" lang="ko-KR" altLang="en-US"/>
+              <a:rPr lang="ko-KR" altLang="en-US"/>
               <a:t>네 번째 수준</a:t>
             </a:r>
           </a:p>
           <a:p>
             <a:pPr lvl="4"/>
             <a:r>
-              <a:rPr kumimoji="1" lang="ko-KR" altLang="en-US"/>
+              <a:rPr lang="ko-KR" altLang="en-US"/>
               <a:t>다섯 번째 수준</a:t>
             </a:r>
-            <a:endParaRPr kumimoji="1" lang="ko-Kore-KR" altLang="en-US"/>
-          </a:p>
-        </p:txBody>
-      </p:sp>
-      <p:sp>
-        <p:nvSpPr>
-          <p:cNvPr id="7" name="날짜 개체 틀 6">
-            <a:extLst>
-              <a:ext uri="{FF2B5EF4-FFF2-40B4-BE49-F238E27FC236}">
-                <a16:creationId xmlns:a16="http://schemas.microsoft.com/office/drawing/2014/main" id="{2F3382F1-DCA4-7EAC-51EB-AE8B318CDEDF}"/>
-              </a:ext>
-            </a:extLst>
-          </p:cNvPr>
+            <a:endParaRPr lang="en-US" dirty="0"/>
+          </a:p>
+        </p:txBody>
+      </p:sp>
+      <p:sp>
+        <p:nvSpPr>
+          <p:cNvPr id="7" name="Date Placeholder 6"/>
           <p:cNvSpPr>
             <a:spLocks noGrp="1"/>
           </p:cNvSpPr>
@@ -1849,13 +1625,7 @@
       </p:sp>
       <p:sp>
         <p:nvSpPr>
-          <p:cNvPr id="8" name="바닥글 개체 틀 7">
-            <a:extLst>
-              <a:ext uri="{FF2B5EF4-FFF2-40B4-BE49-F238E27FC236}">
-                <a16:creationId xmlns:a16="http://schemas.microsoft.com/office/drawing/2014/main" id="{C25A358A-9BE5-C974-C2B8-4F8880FC83C9}"/>
-              </a:ext>
-            </a:extLst>
-          </p:cNvPr>
+          <p:cNvPr id="8" name="Footer Placeholder 7"/>
           <p:cNvSpPr>
             <a:spLocks noGrp="1"/>
           </p:cNvSpPr>
@@ -1874,13 +1644,7 @@
       </p:sp>
       <p:sp>
         <p:nvSpPr>
-          <p:cNvPr id="9" name="슬라이드 번호 개체 틀 8">
-            <a:extLst>
-              <a:ext uri="{FF2B5EF4-FFF2-40B4-BE49-F238E27FC236}">
-                <a16:creationId xmlns:a16="http://schemas.microsoft.com/office/drawing/2014/main" id="{17A7A84D-B798-51F4-2ABE-4E002AB87044}"/>
-              </a:ext>
-            </a:extLst>
-          </p:cNvPr>
+          <p:cNvPr id="9" name="Slide Number Placeholder 8"/>
           <p:cNvSpPr>
             <a:spLocks noGrp="1"/>
           </p:cNvSpPr>
@@ -1904,7 +1668,7 @@
     </p:spTree>
     <p:extLst>
       <p:ext uri="{BB962C8B-B14F-4D97-AF65-F5344CB8AC3E}">
-        <p14:creationId xmlns:p14="http://schemas.microsoft.com/office/powerpoint/2010/main" val="1719496969"/>
+        <p14:creationId xmlns:p14="http://schemas.microsoft.com/office/powerpoint/2010/main" val="1604121417"/>
       </p:ext>
     </p:extLst>
   </p:cSld>
@@ -1933,13 +1697,7 @@
       </p:grpSpPr>
       <p:sp>
         <p:nvSpPr>
-          <p:cNvPr id="2" name="제목 1">
-            <a:extLst>
-              <a:ext uri="{FF2B5EF4-FFF2-40B4-BE49-F238E27FC236}">
-                <a16:creationId xmlns:a16="http://schemas.microsoft.com/office/drawing/2014/main" id="{3865590D-CE82-BA2A-E2C0-C2D9A8A49BC4}"/>
-              </a:ext>
-            </a:extLst>
-          </p:cNvPr>
+          <p:cNvPr id="2" name="Title 1"/>
           <p:cNvSpPr>
             <a:spLocks noGrp="1"/>
           </p:cNvSpPr>
@@ -1953,22 +1711,16 @@
           <a:lstStyle/>
           <a:p>
             <a:r>
-              <a:rPr kumimoji="1" lang="ko-KR" altLang="en-US"/>
+              <a:rPr lang="ko-KR" altLang="en-US"/>
               <a:t>마스터 제목 스타일 편집</a:t>
             </a:r>
-            <a:endParaRPr kumimoji="1" lang="ko-Kore-KR" altLang="en-US"/>
-          </a:p>
-        </p:txBody>
-      </p:sp>
-      <p:sp>
-        <p:nvSpPr>
-          <p:cNvPr id="3" name="날짜 개체 틀 2">
-            <a:extLst>
-              <a:ext uri="{FF2B5EF4-FFF2-40B4-BE49-F238E27FC236}">
-                <a16:creationId xmlns:a16="http://schemas.microsoft.com/office/drawing/2014/main" id="{531FBC9A-5A60-C5AC-D22D-28E38E57FBAC}"/>
-              </a:ext>
-            </a:extLst>
-          </p:cNvPr>
+            <a:endParaRPr lang="en-US" dirty="0"/>
+          </a:p>
+        </p:txBody>
+      </p:sp>
+      <p:sp>
+        <p:nvSpPr>
+          <p:cNvPr id="3" name="Date Placeholder 2"/>
           <p:cNvSpPr>
             <a:spLocks noGrp="1"/>
           </p:cNvSpPr>
@@ -1991,13 +1743,7 @@
       </p:sp>
       <p:sp>
         <p:nvSpPr>
-          <p:cNvPr id="4" name="바닥글 개체 틀 3">
-            <a:extLst>
-              <a:ext uri="{FF2B5EF4-FFF2-40B4-BE49-F238E27FC236}">
-                <a16:creationId xmlns:a16="http://schemas.microsoft.com/office/drawing/2014/main" id="{3F15AB5A-FBC5-3C49-53FA-4E9CB1A1DE2D}"/>
-              </a:ext>
-            </a:extLst>
-          </p:cNvPr>
+          <p:cNvPr id="4" name="Footer Placeholder 3"/>
           <p:cNvSpPr>
             <a:spLocks noGrp="1"/>
           </p:cNvSpPr>
@@ -2016,13 +1762,7 @@
       </p:sp>
       <p:sp>
         <p:nvSpPr>
-          <p:cNvPr id="5" name="슬라이드 번호 개체 틀 4">
-            <a:extLst>
-              <a:ext uri="{FF2B5EF4-FFF2-40B4-BE49-F238E27FC236}">
-                <a16:creationId xmlns:a16="http://schemas.microsoft.com/office/drawing/2014/main" id="{7F613D62-BCB4-FBFB-A68C-46147C518EEE}"/>
-              </a:ext>
-            </a:extLst>
-          </p:cNvPr>
+          <p:cNvPr id="5" name="Slide Number Placeholder 4"/>
           <p:cNvSpPr>
             <a:spLocks noGrp="1"/>
           </p:cNvSpPr>
@@ -2046,7 +1786,7 @@
     </p:spTree>
     <p:extLst>
       <p:ext uri="{BB962C8B-B14F-4D97-AF65-F5344CB8AC3E}">
-        <p14:creationId xmlns:p14="http://schemas.microsoft.com/office/powerpoint/2010/main" val="404809420"/>
+        <p14:creationId xmlns:p14="http://schemas.microsoft.com/office/powerpoint/2010/main" val="2351357127"/>
       </p:ext>
     </p:extLst>
   </p:cSld>
@@ -2075,13 +1815,7 @@
       </p:grpSpPr>
       <p:sp>
         <p:nvSpPr>
-          <p:cNvPr id="2" name="날짜 개체 틀 1">
-            <a:extLst>
-              <a:ext uri="{FF2B5EF4-FFF2-40B4-BE49-F238E27FC236}">
-                <a16:creationId xmlns:a16="http://schemas.microsoft.com/office/drawing/2014/main" id="{9FEF7432-C817-EC4D-54D7-1EC2B688CF54}"/>
-              </a:ext>
-            </a:extLst>
-          </p:cNvPr>
+          <p:cNvPr id="2" name="Date Placeholder 1"/>
           <p:cNvSpPr>
             <a:spLocks noGrp="1"/>
           </p:cNvSpPr>
@@ -2104,13 +1838,7 @@
       </p:sp>
       <p:sp>
         <p:nvSpPr>
-          <p:cNvPr id="3" name="바닥글 개체 틀 2">
-            <a:extLst>
-              <a:ext uri="{FF2B5EF4-FFF2-40B4-BE49-F238E27FC236}">
-                <a16:creationId xmlns:a16="http://schemas.microsoft.com/office/drawing/2014/main" id="{84B7516B-DB76-B8CA-AF02-3ED4B59C0C21}"/>
-              </a:ext>
-            </a:extLst>
-          </p:cNvPr>
+          <p:cNvPr id="3" name="Footer Placeholder 2"/>
           <p:cNvSpPr>
             <a:spLocks noGrp="1"/>
           </p:cNvSpPr>
@@ -2129,13 +1857,7 @@
       </p:sp>
       <p:sp>
         <p:nvSpPr>
-          <p:cNvPr id="4" name="슬라이드 번호 개체 틀 3">
-            <a:extLst>
-              <a:ext uri="{FF2B5EF4-FFF2-40B4-BE49-F238E27FC236}">
-                <a16:creationId xmlns:a16="http://schemas.microsoft.com/office/drawing/2014/main" id="{A072B584-B6A0-3F9D-A025-0E697CC1850A}"/>
-              </a:ext>
-            </a:extLst>
-          </p:cNvPr>
+          <p:cNvPr id="4" name="Slide Number Placeholder 3"/>
           <p:cNvSpPr>
             <a:spLocks noGrp="1"/>
           </p:cNvSpPr>
@@ -2159,7 +1881,7 @@
     </p:spTree>
     <p:extLst>
       <p:ext uri="{BB962C8B-B14F-4D97-AF65-F5344CB8AC3E}">
-        <p14:creationId xmlns:p14="http://schemas.microsoft.com/office/powerpoint/2010/main" val="3197475024"/>
+        <p14:creationId xmlns:p14="http://schemas.microsoft.com/office/powerpoint/2010/main" val="3888237152"/>
       </p:ext>
     </p:extLst>
   </p:cSld>
@@ -2188,13 +1910,7 @@
       </p:grpSpPr>
       <p:sp>
         <p:nvSpPr>
-          <p:cNvPr id="2" name="제목 1">
-            <a:extLst>
-              <a:ext uri="{FF2B5EF4-FFF2-40B4-BE49-F238E27FC236}">
-                <a16:creationId xmlns:a16="http://schemas.microsoft.com/office/drawing/2014/main" id="{945F7FD8-E692-2986-BB30-288845584F01}"/>
-              </a:ext>
-            </a:extLst>
-          </p:cNvPr>
+          <p:cNvPr id="2" name="Title 1"/>
           <p:cNvSpPr>
             <a:spLocks noGrp="1"/>
           </p:cNvSpPr>
@@ -2204,35 +1920,29 @@
         </p:nvSpPr>
         <p:spPr>
           <a:xfrm>
-            <a:off x="839788" y="457200"/>
-            <a:ext cx="3932237" cy="1600200"/>
+            <a:off x="476098" y="307234"/>
+            <a:ext cx="2229292" cy="1075320"/>
           </a:xfrm>
         </p:spPr>
         <p:txBody>
           <a:bodyPr anchor="b"/>
           <a:lstStyle>
             <a:lvl1pPr>
-              <a:defRPr sz="3200"/>
+              <a:defRPr sz="2150"/>
             </a:lvl1pPr>
           </a:lstStyle>
           <a:p>
             <a:r>
-              <a:rPr kumimoji="1" lang="ko-KR" altLang="en-US"/>
+              <a:rPr lang="ko-KR" altLang="en-US"/>
               <a:t>마스터 제목 스타일 편집</a:t>
             </a:r>
-            <a:endParaRPr kumimoji="1" lang="ko-Kore-KR" altLang="en-US"/>
-          </a:p>
-        </p:txBody>
-      </p:sp>
-      <p:sp>
-        <p:nvSpPr>
-          <p:cNvPr id="3" name="내용 개체 틀 2">
-            <a:extLst>
-              <a:ext uri="{FF2B5EF4-FFF2-40B4-BE49-F238E27FC236}">
-                <a16:creationId xmlns:a16="http://schemas.microsoft.com/office/drawing/2014/main" id="{F5F0485A-5584-39C9-90D7-C5DEF2011C41}"/>
-              </a:ext>
-            </a:extLst>
-          </p:cNvPr>
+            <a:endParaRPr lang="en-US" dirty="0"/>
+          </a:p>
+        </p:txBody>
+      </p:sp>
+      <p:sp>
+        <p:nvSpPr>
+          <p:cNvPr id="3" name="Content Placeholder 2"/>
           <p:cNvSpPr>
             <a:spLocks noGrp="1"/>
           </p:cNvSpPr>
@@ -2242,88 +1952,82 @@
         </p:nvSpPr>
         <p:spPr>
           <a:xfrm>
-            <a:off x="5183188" y="987425"/>
-            <a:ext cx="6172200" cy="4873625"/>
+            <a:off x="2938490" y="663542"/>
+            <a:ext cx="3499187" cy="3275031"/>
           </a:xfrm>
         </p:spPr>
         <p:txBody>
           <a:bodyPr/>
           <a:lstStyle>
             <a:lvl1pPr>
-              <a:defRPr sz="3200"/>
+              <a:defRPr sz="2150"/>
             </a:lvl1pPr>
             <a:lvl2pPr>
-              <a:defRPr sz="2800"/>
+              <a:defRPr sz="1882"/>
             </a:lvl2pPr>
             <a:lvl3pPr>
-              <a:defRPr sz="2400"/>
+              <a:defRPr sz="1613"/>
             </a:lvl3pPr>
             <a:lvl4pPr>
-              <a:defRPr sz="2000"/>
+              <a:defRPr sz="1344"/>
             </a:lvl4pPr>
             <a:lvl5pPr>
-              <a:defRPr sz="2000"/>
+              <a:defRPr sz="1344"/>
             </a:lvl5pPr>
             <a:lvl6pPr>
-              <a:defRPr sz="2000"/>
+              <a:defRPr sz="1344"/>
             </a:lvl6pPr>
             <a:lvl7pPr>
-              <a:defRPr sz="2000"/>
+              <a:defRPr sz="1344"/>
             </a:lvl7pPr>
             <a:lvl8pPr>
-              <a:defRPr sz="2000"/>
+              <a:defRPr sz="1344"/>
             </a:lvl8pPr>
             <a:lvl9pPr>
-              <a:defRPr sz="2000"/>
+              <a:defRPr sz="1344"/>
             </a:lvl9pPr>
           </a:lstStyle>
           <a:p>
             <a:pPr lvl="0"/>
             <a:r>
-              <a:rPr kumimoji="1" lang="ko-KR" altLang="en-US"/>
+              <a:rPr lang="ko-KR" altLang="en-US"/>
               <a:t>마스터 텍스트 스타일을 편집하려면 클릭</a:t>
             </a:r>
           </a:p>
           <a:p>
             <a:pPr lvl="1"/>
             <a:r>
-              <a:rPr kumimoji="1" lang="ko-KR" altLang="en-US"/>
+              <a:rPr lang="ko-KR" altLang="en-US"/>
               <a:t>두 번째 수준</a:t>
             </a:r>
           </a:p>
           <a:p>
             <a:pPr lvl="2"/>
             <a:r>
-              <a:rPr kumimoji="1" lang="ko-KR" altLang="en-US"/>
+              <a:rPr lang="ko-KR" altLang="en-US"/>
               <a:t>세 번째 수준</a:t>
             </a:r>
           </a:p>
           <a:p>
             <a:pPr lvl="3"/>
             <a:r>
-              <a:rPr kumimoji="1" lang="ko-KR" altLang="en-US"/>
+              <a:rPr lang="ko-KR" altLang="en-US"/>
               <a:t>네 번째 수준</a:t>
             </a:r>
           </a:p>
           <a:p>
             <a:pPr lvl="4"/>
             <a:r>
-              <a:rPr kumimoji="1" lang="ko-KR" altLang="en-US"/>
+              <a:rPr lang="ko-KR" altLang="en-US"/>
               <a:t>다섯 번째 수준</a:t>
             </a:r>
-            <a:endParaRPr kumimoji="1" lang="ko-Kore-KR" altLang="en-US"/>
-          </a:p>
-        </p:txBody>
-      </p:sp>
-      <p:sp>
-        <p:nvSpPr>
-          <p:cNvPr id="4" name="텍스트 개체 틀 3">
-            <a:extLst>
-              <a:ext uri="{FF2B5EF4-FFF2-40B4-BE49-F238E27FC236}">
-                <a16:creationId xmlns:a16="http://schemas.microsoft.com/office/drawing/2014/main" id="{A60855A6-844C-71B6-9AD3-AD0215FAA062}"/>
-              </a:ext>
-            </a:extLst>
-          </p:cNvPr>
+            <a:endParaRPr lang="en-US" dirty="0"/>
+          </a:p>
+        </p:txBody>
+      </p:sp>
+      <p:sp>
+        <p:nvSpPr>
+          <p:cNvPr id="4" name="Text Placeholder 3"/>
           <p:cNvSpPr>
             <a:spLocks noGrp="1"/>
           </p:cNvSpPr>
@@ -2333,8 +2037,8 @@
         </p:nvSpPr>
         <p:spPr>
           <a:xfrm>
-            <a:off x="839788" y="2057400"/>
-            <a:ext cx="3932237" cy="3811588"/>
+            <a:off x="476098" y="1382554"/>
+            <a:ext cx="2229292" cy="2561352"/>
           </a:xfrm>
         </p:spPr>
         <p:txBody>
@@ -2342,45 +2046,45 @@
           <a:lstStyle>
             <a:lvl1pPr marL="0" indent="0">
               <a:buNone/>
-              <a:defRPr sz="1600"/>
+              <a:defRPr sz="1075"/>
             </a:lvl1pPr>
-            <a:lvl2pPr marL="457200" indent="0">
-              <a:buNone/>
-              <a:defRPr sz="1400"/>
+            <a:lvl2pPr marL="307238" indent="0">
+              <a:buNone/>
+              <a:defRPr sz="941"/>
             </a:lvl2pPr>
-            <a:lvl3pPr marL="914400" indent="0">
-              <a:buNone/>
-              <a:defRPr sz="1200"/>
+            <a:lvl3pPr marL="614477" indent="0">
+              <a:buNone/>
+              <a:defRPr sz="806"/>
             </a:lvl3pPr>
-            <a:lvl4pPr marL="1371600" indent="0">
-              <a:buNone/>
-              <a:defRPr sz="1000"/>
+            <a:lvl4pPr marL="921715" indent="0">
+              <a:buNone/>
+              <a:defRPr sz="672"/>
             </a:lvl4pPr>
-            <a:lvl5pPr marL="1828800" indent="0">
-              <a:buNone/>
-              <a:defRPr sz="1000"/>
+            <a:lvl5pPr marL="1228954" indent="0">
+              <a:buNone/>
+              <a:defRPr sz="672"/>
             </a:lvl5pPr>
-            <a:lvl6pPr marL="2286000" indent="0">
-              <a:buNone/>
-              <a:defRPr sz="1000"/>
+            <a:lvl6pPr marL="1536192" indent="0">
+              <a:buNone/>
+              <a:defRPr sz="672"/>
             </a:lvl6pPr>
-            <a:lvl7pPr marL="2743200" indent="0">
-              <a:buNone/>
-              <a:defRPr sz="1000"/>
+            <a:lvl7pPr marL="1843430" indent="0">
+              <a:buNone/>
+              <a:defRPr sz="672"/>
             </a:lvl7pPr>
-            <a:lvl8pPr marL="3200400" indent="0">
-              <a:buNone/>
-              <a:defRPr sz="1000"/>
+            <a:lvl8pPr marL="2150669" indent="0">
+              <a:buNone/>
+              <a:defRPr sz="672"/>
             </a:lvl8pPr>
-            <a:lvl9pPr marL="3657600" indent="0">
-              <a:buNone/>
-              <a:defRPr sz="1000"/>
+            <a:lvl9pPr marL="2457907" indent="0">
+              <a:buNone/>
+              <a:defRPr sz="672"/>
             </a:lvl9pPr>
           </a:lstStyle>
           <a:p>
             <a:pPr lvl="0"/>
             <a:r>
-              <a:rPr kumimoji="1" lang="ko-KR" altLang="en-US"/>
+              <a:rPr lang="ko-KR" altLang="en-US"/>
               <a:t>마스터 텍스트 스타일을 편집하려면 클릭</a:t>
             </a:r>
           </a:p>
@@ -2388,13 +2092,7 @@
       </p:sp>
       <p:sp>
         <p:nvSpPr>
-          <p:cNvPr id="5" name="날짜 개체 틀 4">
-            <a:extLst>
-              <a:ext uri="{FF2B5EF4-FFF2-40B4-BE49-F238E27FC236}">
-                <a16:creationId xmlns:a16="http://schemas.microsoft.com/office/drawing/2014/main" id="{8804166D-4A77-DA4B-C85D-FF9BF95FCA57}"/>
-              </a:ext>
-            </a:extLst>
-          </p:cNvPr>
+          <p:cNvPr id="5" name="Date Placeholder 4"/>
           <p:cNvSpPr>
             <a:spLocks noGrp="1"/>
           </p:cNvSpPr>
@@ -2417,13 +2115,7 @@
       </p:sp>
       <p:sp>
         <p:nvSpPr>
-          <p:cNvPr id="6" name="바닥글 개체 틀 5">
-            <a:extLst>
-              <a:ext uri="{FF2B5EF4-FFF2-40B4-BE49-F238E27FC236}">
-                <a16:creationId xmlns:a16="http://schemas.microsoft.com/office/drawing/2014/main" id="{A3981BF5-13B5-AE62-589D-8F109CF7499B}"/>
-              </a:ext>
-            </a:extLst>
-          </p:cNvPr>
+          <p:cNvPr id="6" name="Footer Placeholder 5"/>
           <p:cNvSpPr>
             <a:spLocks noGrp="1"/>
           </p:cNvSpPr>
@@ -2442,13 +2134,7 @@
       </p:sp>
       <p:sp>
         <p:nvSpPr>
-          <p:cNvPr id="7" name="슬라이드 번호 개체 틀 6">
-            <a:extLst>
-              <a:ext uri="{FF2B5EF4-FFF2-40B4-BE49-F238E27FC236}">
-                <a16:creationId xmlns:a16="http://schemas.microsoft.com/office/drawing/2014/main" id="{25FC6862-CB31-3059-2397-B2B2E128E374}"/>
-              </a:ext>
-            </a:extLst>
-          </p:cNvPr>
+          <p:cNvPr id="7" name="Slide Number Placeholder 6"/>
           <p:cNvSpPr>
             <a:spLocks noGrp="1"/>
           </p:cNvSpPr>
@@ -2472,7 +2158,7 @@
     </p:spTree>
     <p:extLst>
       <p:ext uri="{BB962C8B-B14F-4D97-AF65-F5344CB8AC3E}">
-        <p14:creationId xmlns:p14="http://schemas.microsoft.com/office/powerpoint/2010/main" val="138588126"/>
+        <p14:creationId xmlns:p14="http://schemas.microsoft.com/office/powerpoint/2010/main" val="2800485342"/>
       </p:ext>
     </p:extLst>
   </p:cSld>
@@ -2501,13 +2187,7 @@
       </p:grpSpPr>
       <p:sp>
         <p:nvSpPr>
-          <p:cNvPr id="2" name="제목 1">
-            <a:extLst>
-              <a:ext uri="{FF2B5EF4-FFF2-40B4-BE49-F238E27FC236}">
-                <a16:creationId xmlns:a16="http://schemas.microsoft.com/office/drawing/2014/main" id="{50A775D7-AEAD-9D42-0F10-ABAE9FD71917}"/>
-              </a:ext>
-            </a:extLst>
-          </p:cNvPr>
+          <p:cNvPr id="2" name="Title 1"/>
           <p:cNvSpPr>
             <a:spLocks noGrp="1"/>
           </p:cNvSpPr>
@@ -2517,37 +2197,31 @@
         </p:nvSpPr>
         <p:spPr>
           <a:xfrm>
-            <a:off x="839788" y="457200"/>
-            <a:ext cx="3932237" cy="1600200"/>
+            <a:off x="476098" y="307234"/>
+            <a:ext cx="2229292" cy="1075320"/>
           </a:xfrm>
         </p:spPr>
         <p:txBody>
           <a:bodyPr anchor="b"/>
           <a:lstStyle>
             <a:lvl1pPr>
-              <a:defRPr sz="3200"/>
+              <a:defRPr sz="2150"/>
             </a:lvl1pPr>
           </a:lstStyle>
           <a:p>
             <a:r>
-              <a:rPr kumimoji="1" lang="ko-KR" altLang="en-US"/>
+              <a:rPr lang="ko-KR" altLang="en-US"/>
               <a:t>마스터 제목 스타일 편집</a:t>
             </a:r>
-            <a:endParaRPr kumimoji="1" lang="ko-Kore-KR" altLang="en-US"/>
-          </a:p>
-        </p:txBody>
-      </p:sp>
-      <p:sp>
-        <p:nvSpPr>
-          <p:cNvPr id="3" name="그림 개체 틀 2">
-            <a:extLst>
-              <a:ext uri="{FF2B5EF4-FFF2-40B4-BE49-F238E27FC236}">
-                <a16:creationId xmlns:a16="http://schemas.microsoft.com/office/drawing/2014/main" id="{4BE4AAFD-D530-9B55-E3C3-276B4F69F6F0}"/>
-              </a:ext>
-            </a:extLst>
-          </p:cNvPr>
-          <p:cNvSpPr>
-            <a:spLocks noGrp="1"/>
+            <a:endParaRPr lang="en-US" dirty="0"/>
+          </a:p>
+        </p:txBody>
+      </p:sp>
+      <p:sp>
+        <p:nvSpPr>
+          <p:cNvPr id="3" name="Picture Placeholder 2"/>
+          <p:cNvSpPr>
+            <a:spLocks noGrp="1" noChangeAspect="1"/>
           </p:cNvSpPr>
           <p:nvPr>
             <p:ph type="pic" idx="1"/>
@@ -2555,64 +2229,62 @@
         </p:nvSpPr>
         <p:spPr>
           <a:xfrm>
-            <a:off x="5183188" y="987425"/>
-            <a:ext cx="6172200" cy="4873625"/>
+            <a:off x="2938490" y="663542"/>
+            <a:ext cx="3499187" cy="3275031"/>
           </a:xfrm>
         </p:spPr>
         <p:txBody>
-          <a:bodyPr/>
+          <a:bodyPr anchor="t"/>
           <a:lstStyle>
             <a:lvl1pPr marL="0" indent="0">
               <a:buNone/>
-              <a:defRPr sz="3200"/>
+              <a:defRPr sz="2150"/>
             </a:lvl1pPr>
-            <a:lvl2pPr marL="457200" indent="0">
-              <a:buNone/>
-              <a:defRPr sz="2800"/>
+            <a:lvl2pPr marL="307238" indent="0">
+              <a:buNone/>
+              <a:defRPr sz="1882"/>
             </a:lvl2pPr>
-            <a:lvl3pPr marL="914400" indent="0">
-              <a:buNone/>
-              <a:defRPr sz="2400"/>
+            <a:lvl3pPr marL="614477" indent="0">
+              <a:buNone/>
+              <a:defRPr sz="1613"/>
             </a:lvl3pPr>
-            <a:lvl4pPr marL="1371600" indent="0">
-              <a:buNone/>
-              <a:defRPr sz="2000"/>
+            <a:lvl4pPr marL="921715" indent="0">
+              <a:buNone/>
+              <a:defRPr sz="1344"/>
             </a:lvl4pPr>
-            <a:lvl5pPr marL="1828800" indent="0">
-              <a:buNone/>
-              <a:defRPr sz="2000"/>
+            <a:lvl5pPr marL="1228954" indent="0">
+              <a:buNone/>
+              <a:defRPr sz="1344"/>
             </a:lvl5pPr>
-            <a:lvl6pPr marL="2286000" indent="0">
-              <a:buNone/>
-              <a:defRPr sz="2000"/>
+            <a:lvl6pPr marL="1536192" indent="0">
+              <a:buNone/>
+              <a:defRPr sz="1344"/>
             </a:lvl6pPr>
-            <a:lvl7pPr marL="2743200" indent="0">
-              <a:buNone/>
-              <a:defRPr sz="2000"/>
+            <a:lvl7pPr marL="1843430" indent="0">
+              <a:buNone/>
+              <a:defRPr sz="1344"/>
             </a:lvl7pPr>
-            <a:lvl8pPr marL="3200400" indent="0">
-              <a:buNone/>
-              <a:defRPr sz="2000"/>
+            <a:lvl8pPr marL="2150669" indent="0">
+              <a:buNone/>
+              <a:defRPr sz="1344"/>
             </a:lvl8pPr>
-            <a:lvl9pPr marL="3657600" indent="0">
-              <a:buNone/>
-              <a:defRPr sz="2000"/>
+            <a:lvl9pPr marL="2457907" indent="0">
+              <a:buNone/>
+              <a:defRPr sz="1344"/>
             </a:lvl9pPr>
           </a:lstStyle>
           <a:p>
-            <a:endParaRPr kumimoji="1" lang="ko-Kore-KR" altLang="en-US"/>
-          </a:p>
-        </p:txBody>
-      </p:sp>
-      <p:sp>
-        <p:nvSpPr>
-          <p:cNvPr id="4" name="텍스트 개체 틀 3">
-            <a:extLst>
-              <a:ext uri="{FF2B5EF4-FFF2-40B4-BE49-F238E27FC236}">
-                <a16:creationId xmlns:a16="http://schemas.microsoft.com/office/drawing/2014/main" id="{3AD11D65-26EB-B498-27FA-5E6BE9A343D0}"/>
-              </a:ext>
-            </a:extLst>
-          </p:cNvPr>
+            <a:r>
+              <a:rPr lang="ko-KR" altLang="en-US"/>
+              <a:t>그림을 추가하려면 아이콘을 클릭하십시오</a:t>
+            </a:r>
+            <a:endParaRPr lang="en-US" dirty="0"/>
+          </a:p>
+        </p:txBody>
+      </p:sp>
+      <p:sp>
+        <p:nvSpPr>
+          <p:cNvPr id="4" name="Text Placeholder 3"/>
           <p:cNvSpPr>
             <a:spLocks noGrp="1"/>
           </p:cNvSpPr>
@@ -2622,8 +2294,8 @@
         </p:nvSpPr>
         <p:spPr>
           <a:xfrm>
-            <a:off x="839788" y="2057400"/>
-            <a:ext cx="3932237" cy="3811588"/>
+            <a:off x="476098" y="1382554"/>
+            <a:ext cx="2229292" cy="2561352"/>
           </a:xfrm>
         </p:spPr>
         <p:txBody>
@@ -2631,45 +2303,45 @@
           <a:lstStyle>
             <a:lvl1pPr marL="0" indent="0">
               <a:buNone/>
-              <a:defRPr sz="1600"/>
+              <a:defRPr sz="1075"/>
             </a:lvl1pPr>
-            <a:lvl2pPr marL="457200" indent="0">
-              <a:buNone/>
-              <a:defRPr sz="1400"/>
+            <a:lvl2pPr marL="307238" indent="0">
+              <a:buNone/>
+              <a:defRPr sz="941"/>
             </a:lvl2pPr>
-            <a:lvl3pPr marL="914400" indent="0">
-              <a:buNone/>
-              <a:defRPr sz="1200"/>
+            <a:lvl3pPr marL="614477" indent="0">
+              <a:buNone/>
+              <a:defRPr sz="806"/>
             </a:lvl3pPr>
-            <a:lvl4pPr marL="1371600" indent="0">
-              <a:buNone/>
-              <a:defRPr sz="1000"/>
+            <a:lvl4pPr marL="921715" indent="0">
+              <a:buNone/>
+              <a:defRPr sz="672"/>
             </a:lvl4pPr>
-            <a:lvl5pPr marL="1828800" indent="0">
-              <a:buNone/>
-              <a:defRPr sz="1000"/>
+            <a:lvl5pPr marL="1228954" indent="0">
+              <a:buNone/>
+              <a:defRPr sz="672"/>
             </a:lvl5pPr>
-            <a:lvl6pPr marL="2286000" indent="0">
-              <a:buNone/>
-              <a:defRPr sz="1000"/>
+            <a:lvl6pPr marL="1536192" indent="0">
+              <a:buNone/>
+              <a:defRPr sz="672"/>
             </a:lvl6pPr>
-            <a:lvl7pPr marL="2743200" indent="0">
-              <a:buNone/>
-              <a:defRPr sz="1000"/>
+            <a:lvl7pPr marL="1843430" indent="0">
+              <a:buNone/>
+              <a:defRPr sz="672"/>
             </a:lvl7pPr>
-            <a:lvl8pPr marL="3200400" indent="0">
-              <a:buNone/>
-              <a:defRPr sz="1000"/>
+            <a:lvl8pPr marL="2150669" indent="0">
+              <a:buNone/>
+              <a:defRPr sz="672"/>
             </a:lvl8pPr>
-            <a:lvl9pPr marL="3657600" indent="0">
-              <a:buNone/>
-              <a:defRPr sz="1000"/>
+            <a:lvl9pPr marL="2457907" indent="0">
+              <a:buNone/>
+              <a:defRPr sz="672"/>
             </a:lvl9pPr>
           </a:lstStyle>
           <a:p>
             <a:pPr lvl="0"/>
             <a:r>
-              <a:rPr kumimoji="1" lang="ko-KR" altLang="en-US"/>
+              <a:rPr lang="ko-KR" altLang="en-US"/>
               <a:t>마스터 텍스트 스타일을 편집하려면 클릭</a:t>
             </a:r>
           </a:p>
@@ -2677,13 +2349,7 @@
       </p:sp>
       <p:sp>
         <p:nvSpPr>
-          <p:cNvPr id="5" name="날짜 개체 틀 4">
-            <a:extLst>
-              <a:ext uri="{FF2B5EF4-FFF2-40B4-BE49-F238E27FC236}">
-                <a16:creationId xmlns:a16="http://schemas.microsoft.com/office/drawing/2014/main" id="{E60D7AB2-A2FC-E63E-78EE-986918188A92}"/>
-              </a:ext>
-            </a:extLst>
-          </p:cNvPr>
+          <p:cNvPr id="5" name="Date Placeholder 4"/>
           <p:cNvSpPr>
             <a:spLocks noGrp="1"/>
           </p:cNvSpPr>
@@ -2706,13 +2372,7 @@
       </p:sp>
       <p:sp>
         <p:nvSpPr>
-          <p:cNvPr id="6" name="바닥글 개체 틀 5">
-            <a:extLst>
-              <a:ext uri="{FF2B5EF4-FFF2-40B4-BE49-F238E27FC236}">
-                <a16:creationId xmlns:a16="http://schemas.microsoft.com/office/drawing/2014/main" id="{D57CDE41-6C64-1D6B-5ED0-BAFE542AD324}"/>
-              </a:ext>
-            </a:extLst>
-          </p:cNvPr>
+          <p:cNvPr id="6" name="Footer Placeholder 5"/>
           <p:cNvSpPr>
             <a:spLocks noGrp="1"/>
           </p:cNvSpPr>
@@ -2731,13 +2391,7 @@
       </p:sp>
       <p:sp>
         <p:nvSpPr>
-          <p:cNvPr id="7" name="슬라이드 번호 개체 틀 6">
-            <a:extLst>
-              <a:ext uri="{FF2B5EF4-FFF2-40B4-BE49-F238E27FC236}">
-                <a16:creationId xmlns:a16="http://schemas.microsoft.com/office/drawing/2014/main" id="{EF0560AE-1F46-1B2A-9891-9147051AC863}"/>
-              </a:ext>
-            </a:extLst>
-          </p:cNvPr>
+          <p:cNvPr id="7" name="Slide Number Placeholder 6"/>
           <p:cNvSpPr>
             <a:spLocks noGrp="1"/>
           </p:cNvSpPr>
@@ -2761,7 +2415,7 @@
     </p:spTree>
     <p:extLst>
       <p:ext uri="{BB962C8B-B14F-4D97-AF65-F5344CB8AC3E}">
-        <p14:creationId xmlns:p14="http://schemas.microsoft.com/office/powerpoint/2010/main" val="208923140"/>
+        <p14:creationId xmlns:p14="http://schemas.microsoft.com/office/powerpoint/2010/main" val="3518160663"/>
       </p:ext>
     </p:extLst>
   </p:cSld>
@@ -2795,13 +2449,7 @@
       </p:grpSpPr>
       <p:sp>
         <p:nvSpPr>
-          <p:cNvPr id="2" name="제목 개체 틀 1">
-            <a:extLst>
-              <a:ext uri="{FF2B5EF4-FFF2-40B4-BE49-F238E27FC236}">
-                <a16:creationId xmlns:a16="http://schemas.microsoft.com/office/drawing/2014/main" id="{231B46F5-4137-A9DF-C728-32D5D31FF56A}"/>
-              </a:ext>
-            </a:extLst>
-          </p:cNvPr>
+          <p:cNvPr id="2" name="Title Placeholder 1"/>
           <p:cNvSpPr>
             <a:spLocks noGrp="1"/>
           </p:cNvSpPr>
@@ -2811,8 +2459,8 @@
         </p:nvSpPr>
         <p:spPr>
           <a:xfrm>
-            <a:off x="838200" y="365125"/>
-            <a:ext cx="10515600" cy="1325563"/>
+            <a:off x="475199" y="245362"/>
+            <a:ext cx="5961578" cy="890766"/>
           </a:xfrm>
           <a:prstGeom prst="rect">
             <a:avLst/>
@@ -2825,22 +2473,16 @@
           <a:lstStyle/>
           <a:p>
             <a:r>
-              <a:rPr kumimoji="1" lang="ko-KR" altLang="en-US"/>
+              <a:rPr lang="ko-KR" altLang="en-US"/>
               <a:t>마스터 제목 스타일 편집</a:t>
             </a:r>
-            <a:endParaRPr kumimoji="1" lang="ko-Kore-KR" altLang="en-US"/>
-          </a:p>
-        </p:txBody>
-      </p:sp>
-      <p:sp>
-        <p:nvSpPr>
-          <p:cNvPr id="3" name="텍스트 개체 틀 2">
-            <a:extLst>
-              <a:ext uri="{FF2B5EF4-FFF2-40B4-BE49-F238E27FC236}">
-                <a16:creationId xmlns:a16="http://schemas.microsoft.com/office/drawing/2014/main" id="{376495CA-25E7-C93B-A790-F06F4EEA4B38}"/>
-              </a:ext>
-            </a:extLst>
-          </p:cNvPr>
+            <a:endParaRPr lang="en-US" dirty="0"/>
+          </a:p>
+        </p:txBody>
+      </p:sp>
+      <p:sp>
+        <p:nvSpPr>
+          <p:cNvPr id="3" name="Text Placeholder 2"/>
           <p:cNvSpPr>
             <a:spLocks noGrp="1"/>
           </p:cNvSpPr>
@@ -2850,8 +2492,8 @@
         </p:nvSpPr>
         <p:spPr>
           <a:xfrm>
-            <a:off x="838200" y="1825625"/>
-            <a:ext cx="10515600" cy="4351338"/>
+            <a:off x="475199" y="1226803"/>
+            <a:ext cx="5961578" cy="2924059"/>
           </a:xfrm>
           <a:prstGeom prst="rect">
             <a:avLst/>
@@ -2865,50 +2507,44 @@
           <a:p>
             <a:pPr lvl="0"/>
             <a:r>
-              <a:rPr kumimoji="1" lang="ko-KR" altLang="en-US"/>
+              <a:rPr lang="ko-KR" altLang="en-US"/>
               <a:t>마스터 텍스트 스타일을 편집하려면 클릭</a:t>
             </a:r>
           </a:p>
           <a:p>
             <a:pPr lvl="1"/>
             <a:r>
-              <a:rPr kumimoji="1" lang="ko-KR" altLang="en-US"/>
+              <a:rPr lang="ko-KR" altLang="en-US"/>
               <a:t>두 번째 수준</a:t>
             </a:r>
           </a:p>
           <a:p>
             <a:pPr lvl="2"/>
             <a:r>
-              <a:rPr kumimoji="1" lang="ko-KR" altLang="en-US"/>
+              <a:rPr lang="ko-KR" altLang="en-US"/>
               <a:t>세 번째 수준</a:t>
             </a:r>
           </a:p>
           <a:p>
             <a:pPr lvl="3"/>
             <a:r>
-              <a:rPr kumimoji="1" lang="ko-KR" altLang="en-US"/>
+              <a:rPr lang="ko-KR" altLang="en-US"/>
               <a:t>네 번째 수준</a:t>
             </a:r>
           </a:p>
           <a:p>
             <a:pPr lvl="4"/>
             <a:r>
-              <a:rPr kumimoji="1" lang="ko-KR" altLang="en-US"/>
+              <a:rPr lang="ko-KR" altLang="en-US"/>
               <a:t>다섯 번째 수준</a:t>
             </a:r>
-            <a:endParaRPr kumimoji="1" lang="ko-Kore-KR" altLang="en-US"/>
-          </a:p>
-        </p:txBody>
-      </p:sp>
-      <p:sp>
-        <p:nvSpPr>
-          <p:cNvPr id="4" name="날짜 개체 틀 3">
-            <a:extLst>
-              <a:ext uri="{FF2B5EF4-FFF2-40B4-BE49-F238E27FC236}">
-                <a16:creationId xmlns:a16="http://schemas.microsoft.com/office/drawing/2014/main" id="{63DF5BC9-7D2F-F5F1-B309-BDD99F138D20}"/>
-              </a:ext>
-            </a:extLst>
-          </p:cNvPr>
+            <a:endParaRPr lang="en-US" dirty="0"/>
+          </a:p>
+        </p:txBody>
+      </p:sp>
+      <p:sp>
+        <p:nvSpPr>
+          <p:cNvPr id="4" name="Date Placeholder 3"/>
           <p:cNvSpPr>
             <a:spLocks noGrp="1"/>
           </p:cNvSpPr>
@@ -2918,8 +2554,8 @@
         </p:nvSpPr>
         <p:spPr>
           <a:xfrm>
-            <a:off x="838200" y="6356350"/>
-            <a:ext cx="2743200" cy="365125"/>
+            <a:off x="475198" y="4271410"/>
+            <a:ext cx="1555194" cy="245361"/>
           </a:xfrm>
           <a:prstGeom prst="rect">
             <a:avLst/>
@@ -2929,7 +2565,7 @@
           <a:bodyPr vert="horz" lIns="91440" tIns="45720" rIns="91440" bIns="45720" rtlCol="0" anchor="ctr"/>
           <a:lstStyle>
             <a:lvl1pPr algn="l">
-              <a:defRPr sz="1200">
+              <a:defRPr sz="806">
                 <a:solidFill>
                   <a:schemeClr val="tx1">
                     <a:tint val="75000"/>
@@ -2949,13 +2585,7 @@
       </p:sp>
       <p:sp>
         <p:nvSpPr>
-          <p:cNvPr id="5" name="바닥글 개체 틀 4">
-            <a:extLst>
-              <a:ext uri="{FF2B5EF4-FFF2-40B4-BE49-F238E27FC236}">
-                <a16:creationId xmlns:a16="http://schemas.microsoft.com/office/drawing/2014/main" id="{CDCC3A61-6A0E-BE11-8B02-6DE75C573016}"/>
-              </a:ext>
-            </a:extLst>
-          </p:cNvPr>
+          <p:cNvPr id="5" name="Footer Placeholder 4"/>
           <p:cNvSpPr>
             <a:spLocks noGrp="1"/>
           </p:cNvSpPr>
@@ -2965,8 +2595,8 @@
         </p:nvSpPr>
         <p:spPr>
           <a:xfrm>
-            <a:off x="4038600" y="6356350"/>
-            <a:ext cx="4114800" cy="365125"/>
+            <a:off x="2289592" y="4271410"/>
+            <a:ext cx="2332792" cy="245361"/>
           </a:xfrm>
           <a:prstGeom prst="rect">
             <a:avLst/>
@@ -2976,7 +2606,7 @@
           <a:bodyPr vert="horz" lIns="91440" tIns="45720" rIns="91440" bIns="45720" rtlCol="0" anchor="ctr"/>
           <a:lstStyle>
             <a:lvl1pPr algn="ctr">
-              <a:defRPr sz="1200">
+              <a:defRPr sz="806">
                 <a:solidFill>
                   <a:schemeClr val="tx1">
                     <a:tint val="75000"/>
@@ -2992,13 +2622,7 @@
       </p:sp>
       <p:sp>
         <p:nvSpPr>
-          <p:cNvPr id="6" name="슬라이드 번호 개체 틀 5">
-            <a:extLst>
-              <a:ext uri="{FF2B5EF4-FFF2-40B4-BE49-F238E27FC236}">
-                <a16:creationId xmlns:a16="http://schemas.microsoft.com/office/drawing/2014/main" id="{703F6A45-FCB1-DE17-B857-29C3621DC190}"/>
-              </a:ext>
-            </a:extLst>
-          </p:cNvPr>
+          <p:cNvPr id="6" name="Slide Number Placeholder 5"/>
           <p:cNvSpPr>
             <a:spLocks noGrp="1"/>
           </p:cNvSpPr>
@@ -3008,8 +2632,8 @@
         </p:nvSpPr>
         <p:spPr>
           <a:xfrm>
-            <a:off x="8610600" y="6356350"/>
-            <a:ext cx="2743200" cy="365125"/>
+            <a:off x="4881583" y="4271410"/>
+            <a:ext cx="1555194" cy="245361"/>
           </a:xfrm>
           <a:prstGeom prst="rect">
             <a:avLst/>
@@ -3019,7 +2643,7 @@
           <a:bodyPr vert="horz" lIns="91440" tIns="45720" rIns="91440" bIns="45720" rtlCol="0" anchor="ctr"/>
           <a:lstStyle>
             <a:lvl1pPr algn="r">
-              <a:defRPr sz="1200">
+              <a:defRPr sz="806">
                 <a:solidFill>
                   <a:schemeClr val="tx1">
                     <a:tint val="75000"/>
@@ -3040,27 +2664,27 @@
     </p:spTree>
     <p:extLst>
       <p:ext uri="{BB962C8B-B14F-4D97-AF65-F5344CB8AC3E}">
-        <p14:creationId xmlns:p14="http://schemas.microsoft.com/office/powerpoint/2010/main" val="2476089703"/>
+        <p14:creationId xmlns:p14="http://schemas.microsoft.com/office/powerpoint/2010/main" val="252353513"/>
       </p:ext>
     </p:extLst>
   </p:cSld>
   <p:clrMap bg1="lt1" tx1="dk1" bg2="lt2" tx2="dk2" accent1="accent1" accent2="accent2" accent3="accent3" accent4="accent4" accent5="accent5" accent6="accent6" hlink="hlink" folHlink="folHlink"/>
   <p:sldLayoutIdLst>
-    <p:sldLayoutId id="2147483649" r:id="rId1"/>
-    <p:sldLayoutId id="2147483650" r:id="rId2"/>
-    <p:sldLayoutId id="2147483651" r:id="rId3"/>
-    <p:sldLayoutId id="2147483652" r:id="rId4"/>
-    <p:sldLayoutId id="2147483653" r:id="rId5"/>
-    <p:sldLayoutId id="2147483654" r:id="rId6"/>
-    <p:sldLayoutId id="2147483655" r:id="rId7"/>
-    <p:sldLayoutId id="2147483656" r:id="rId8"/>
-    <p:sldLayoutId id="2147483657" r:id="rId9"/>
-    <p:sldLayoutId id="2147483658" r:id="rId10"/>
-    <p:sldLayoutId id="2147483659" r:id="rId11"/>
+    <p:sldLayoutId id="2147483661" r:id="rId1"/>
+    <p:sldLayoutId id="2147483662" r:id="rId2"/>
+    <p:sldLayoutId id="2147483663" r:id="rId3"/>
+    <p:sldLayoutId id="2147483664" r:id="rId4"/>
+    <p:sldLayoutId id="2147483665" r:id="rId5"/>
+    <p:sldLayoutId id="2147483666" r:id="rId6"/>
+    <p:sldLayoutId id="2147483667" r:id="rId7"/>
+    <p:sldLayoutId id="2147483668" r:id="rId8"/>
+    <p:sldLayoutId id="2147483669" r:id="rId9"/>
+    <p:sldLayoutId id="2147483670" r:id="rId10"/>
+    <p:sldLayoutId id="2147483671" r:id="rId11"/>
   </p:sldLayoutIdLst>
   <p:txStyles>
     <p:titleStyle>
-      <a:lvl1pPr algn="l" defTabSz="914400" rtl="0" eaLnBrk="1" latinLnBrk="0" hangingPunct="1">
+      <a:lvl1pPr algn="l" defTabSz="614477" rtl="0" eaLnBrk="1" latinLnBrk="0" hangingPunct="1">
         <a:lnSpc>
           <a:spcPct val="90000"/>
         </a:lnSpc>
@@ -3068,7 +2692,7 @@
           <a:spcPct val="0"/>
         </a:spcBef>
         <a:buNone/>
-        <a:defRPr sz="4400" kern="1200">
+        <a:defRPr sz="2957" kern="1200">
           <a:solidFill>
             <a:schemeClr val="tx1"/>
           </a:solidFill>
@@ -3079,16 +2703,16 @@
       </a:lvl1pPr>
     </p:titleStyle>
     <p:bodyStyle>
-      <a:lvl1pPr marL="228600" indent="-228600" algn="l" defTabSz="914400" rtl="0" eaLnBrk="1" latinLnBrk="0" hangingPunct="1">
+      <a:lvl1pPr marL="153619" indent="-153619" algn="l" defTabSz="614477" rtl="0" eaLnBrk="1" latinLnBrk="0" hangingPunct="1">
         <a:lnSpc>
           <a:spcPct val="90000"/>
         </a:lnSpc>
         <a:spcBef>
-          <a:spcPts val="1000"/>
+          <a:spcPts val="672"/>
         </a:spcBef>
         <a:buFont typeface="Arial" panose="020B0604020202020204" pitchFamily="34" charset="0"/>
         <a:buChar char="•"/>
-        <a:defRPr sz="2800" kern="1200">
+        <a:defRPr sz="1882" kern="1200">
           <a:solidFill>
             <a:schemeClr val="tx1"/>
           </a:solidFill>
@@ -3097,16 +2721,16 @@
           <a:cs typeface="+mn-cs"/>
         </a:defRPr>
       </a:lvl1pPr>
-      <a:lvl2pPr marL="685800" indent="-228600" algn="l" defTabSz="914400" rtl="0" eaLnBrk="1" latinLnBrk="0" hangingPunct="1">
+      <a:lvl2pPr marL="460858" indent="-153619" algn="l" defTabSz="614477" rtl="0" eaLnBrk="1" latinLnBrk="0" hangingPunct="1">
         <a:lnSpc>
           <a:spcPct val="90000"/>
         </a:lnSpc>
         <a:spcBef>
-          <a:spcPts val="500"/>
+          <a:spcPts val="336"/>
         </a:spcBef>
         <a:buFont typeface="Arial" panose="020B0604020202020204" pitchFamily="34" charset="0"/>
         <a:buChar char="•"/>
-        <a:defRPr sz="2400" kern="1200">
+        <a:defRPr sz="1613" kern="1200">
           <a:solidFill>
             <a:schemeClr val="tx1"/>
           </a:solidFill>
@@ -3115,16 +2739,16 @@
           <a:cs typeface="+mn-cs"/>
         </a:defRPr>
       </a:lvl2pPr>
-      <a:lvl3pPr marL="1143000" indent="-228600" algn="l" defTabSz="914400" rtl="0" eaLnBrk="1" latinLnBrk="0" hangingPunct="1">
+      <a:lvl3pPr marL="768096" indent="-153619" algn="l" defTabSz="614477" rtl="0" eaLnBrk="1" latinLnBrk="0" hangingPunct="1">
         <a:lnSpc>
           <a:spcPct val="90000"/>
         </a:lnSpc>
         <a:spcBef>
-          <a:spcPts val="500"/>
+          <a:spcPts val="336"/>
         </a:spcBef>
         <a:buFont typeface="Arial" panose="020B0604020202020204" pitchFamily="34" charset="0"/>
         <a:buChar char="•"/>
-        <a:defRPr sz="2000" kern="1200">
+        <a:defRPr sz="1344" kern="1200">
           <a:solidFill>
             <a:schemeClr val="tx1"/>
           </a:solidFill>
@@ -3133,16 +2757,16 @@
           <a:cs typeface="+mn-cs"/>
         </a:defRPr>
       </a:lvl3pPr>
-      <a:lvl4pPr marL="1600200" indent="-228600" algn="l" defTabSz="914400" rtl="0" eaLnBrk="1" latinLnBrk="0" hangingPunct="1">
+      <a:lvl4pPr marL="1075334" indent="-153619" algn="l" defTabSz="614477" rtl="0" eaLnBrk="1" latinLnBrk="0" hangingPunct="1">
         <a:lnSpc>
           <a:spcPct val="90000"/>
         </a:lnSpc>
         <a:spcBef>
-          <a:spcPts val="500"/>
+          <a:spcPts val="336"/>
         </a:spcBef>
         <a:buFont typeface="Arial" panose="020B0604020202020204" pitchFamily="34" charset="0"/>
         <a:buChar char="•"/>
-        <a:defRPr sz="1800" kern="1200">
+        <a:defRPr sz="1210" kern="1200">
           <a:solidFill>
             <a:schemeClr val="tx1"/>
           </a:solidFill>
@@ -3151,16 +2775,16 @@
           <a:cs typeface="+mn-cs"/>
         </a:defRPr>
       </a:lvl4pPr>
-      <a:lvl5pPr marL="2057400" indent="-228600" algn="l" defTabSz="914400" rtl="0" eaLnBrk="1" latinLnBrk="0" hangingPunct="1">
+      <a:lvl5pPr marL="1382573" indent="-153619" algn="l" defTabSz="614477" rtl="0" eaLnBrk="1" latinLnBrk="0" hangingPunct="1">
         <a:lnSpc>
           <a:spcPct val="90000"/>
         </a:lnSpc>
         <a:spcBef>
-          <a:spcPts val="500"/>
+          <a:spcPts val="336"/>
         </a:spcBef>
         <a:buFont typeface="Arial" panose="020B0604020202020204" pitchFamily="34" charset="0"/>
         <a:buChar char="•"/>
-        <a:defRPr sz="1800" kern="1200">
+        <a:defRPr sz="1210" kern="1200">
           <a:solidFill>
             <a:schemeClr val="tx1"/>
           </a:solidFill>
@@ -3169,16 +2793,16 @@
           <a:cs typeface="+mn-cs"/>
         </a:defRPr>
       </a:lvl5pPr>
-      <a:lvl6pPr marL="2514600" indent="-228600" algn="l" defTabSz="914400" rtl="0" eaLnBrk="1" latinLnBrk="0" hangingPunct="1">
+      <a:lvl6pPr marL="1689811" indent="-153619" algn="l" defTabSz="614477" rtl="0" eaLnBrk="1" latinLnBrk="0" hangingPunct="1">
         <a:lnSpc>
           <a:spcPct val="90000"/>
         </a:lnSpc>
         <a:spcBef>
-          <a:spcPts val="500"/>
+          <a:spcPts val="336"/>
         </a:spcBef>
         <a:buFont typeface="Arial" panose="020B0604020202020204" pitchFamily="34" charset="0"/>
         <a:buChar char="•"/>
-        <a:defRPr sz="1800" kern="1200">
+        <a:defRPr sz="1210" kern="1200">
           <a:solidFill>
             <a:schemeClr val="tx1"/>
           </a:solidFill>
@@ -3187,16 +2811,16 @@
           <a:cs typeface="+mn-cs"/>
         </a:defRPr>
       </a:lvl6pPr>
-      <a:lvl7pPr marL="2971800" indent="-228600" algn="l" defTabSz="914400" rtl="0" eaLnBrk="1" latinLnBrk="0" hangingPunct="1">
+      <a:lvl7pPr marL="1997050" indent="-153619" algn="l" defTabSz="614477" rtl="0" eaLnBrk="1" latinLnBrk="0" hangingPunct="1">
         <a:lnSpc>
           <a:spcPct val="90000"/>
         </a:lnSpc>
         <a:spcBef>
-          <a:spcPts val="500"/>
+          <a:spcPts val="336"/>
         </a:spcBef>
         <a:buFont typeface="Arial" panose="020B0604020202020204" pitchFamily="34" charset="0"/>
         <a:buChar char="•"/>
-        <a:defRPr sz="1800" kern="1200">
+        <a:defRPr sz="1210" kern="1200">
           <a:solidFill>
             <a:schemeClr val="tx1"/>
           </a:solidFill>
@@ -3205,16 +2829,16 @@
           <a:cs typeface="+mn-cs"/>
         </a:defRPr>
       </a:lvl7pPr>
-      <a:lvl8pPr marL="3429000" indent="-228600" algn="l" defTabSz="914400" rtl="0" eaLnBrk="1" latinLnBrk="0" hangingPunct="1">
+      <a:lvl8pPr marL="2304288" indent="-153619" algn="l" defTabSz="614477" rtl="0" eaLnBrk="1" latinLnBrk="0" hangingPunct="1">
         <a:lnSpc>
           <a:spcPct val="90000"/>
         </a:lnSpc>
         <a:spcBef>
-          <a:spcPts val="500"/>
+          <a:spcPts val="336"/>
         </a:spcBef>
         <a:buFont typeface="Arial" panose="020B0604020202020204" pitchFamily="34" charset="0"/>
         <a:buChar char="•"/>
-        <a:defRPr sz="1800" kern="1200">
+        <a:defRPr sz="1210" kern="1200">
           <a:solidFill>
             <a:schemeClr val="tx1"/>
           </a:solidFill>
@@ -3223,16 +2847,16 @@
           <a:cs typeface="+mn-cs"/>
         </a:defRPr>
       </a:lvl8pPr>
-      <a:lvl9pPr marL="3886200" indent="-228600" algn="l" defTabSz="914400" rtl="0" eaLnBrk="1" latinLnBrk="0" hangingPunct="1">
+      <a:lvl9pPr marL="2611526" indent="-153619" algn="l" defTabSz="614477" rtl="0" eaLnBrk="1" latinLnBrk="0" hangingPunct="1">
         <a:lnSpc>
           <a:spcPct val="90000"/>
         </a:lnSpc>
         <a:spcBef>
-          <a:spcPts val="500"/>
+          <a:spcPts val="336"/>
         </a:spcBef>
         <a:buFont typeface="Arial" panose="020B0604020202020204" pitchFamily="34" charset="0"/>
         <a:buChar char="•"/>
-        <a:defRPr sz="1800" kern="1200">
+        <a:defRPr sz="1210" kern="1200">
           <a:solidFill>
             <a:schemeClr val="tx1"/>
           </a:solidFill>
@@ -3244,10 +2868,10 @@
     </p:bodyStyle>
     <p:otherStyle>
       <a:defPPr>
-        <a:defRPr lang="ko-Kore-KR"/>
+        <a:defRPr lang="en-US"/>
       </a:defPPr>
-      <a:lvl1pPr marL="0" algn="l" defTabSz="914400" rtl="0" eaLnBrk="1" latinLnBrk="0" hangingPunct="1">
-        <a:defRPr sz="1800" kern="1200">
+      <a:lvl1pPr marL="0" algn="l" defTabSz="614477" rtl="0" eaLnBrk="1" latinLnBrk="0" hangingPunct="1">
+        <a:defRPr sz="1210" kern="1200">
           <a:solidFill>
             <a:schemeClr val="tx1"/>
           </a:solidFill>
@@ -3256,8 +2880,8 @@
           <a:cs typeface="+mn-cs"/>
         </a:defRPr>
       </a:lvl1pPr>
-      <a:lvl2pPr marL="457200" algn="l" defTabSz="914400" rtl="0" eaLnBrk="1" latinLnBrk="0" hangingPunct="1">
-        <a:defRPr sz="1800" kern="1200">
+      <a:lvl2pPr marL="307238" algn="l" defTabSz="614477" rtl="0" eaLnBrk="1" latinLnBrk="0" hangingPunct="1">
+        <a:defRPr sz="1210" kern="1200">
           <a:solidFill>
             <a:schemeClr val="tx1"/>
           </a:solidFill>
@@ -3266,8 +2890,8 @@
           <a:cs typeface="+mn-cs"/>
         </a:defRPr>
       </a:lvl2pPr>
-      <a:lvl3pPr marL="914400" algn="l" defTabSz="914400" rtl="0" eaLnBrk="1" latinLnBrk="0" hangingPunct="1">
-        <a:defRPr sz="1800" kern="1200">
+      <a:lvl3pPr marL="614477" algn="l" defTabSz="614477" rtl="0" eaLnBrk="1" latinLnBrk="0" hangingPunct="1">
+        <a:defRPr sz="1210" kern="1200">
           <a:solidFill>
             <a:schemeClr val="tx1"/>
           </a:solidFill>
@@ -3276,8 +2900,8 @@
           <a:cs typeface="+mn-cs"/>
         </a:defRPr>
       </a:lvl3pPr>
-      <a:lvl4pPr marL="1371600" algn="l" defTabSz="914400" rtl="0" eaLnBrk="1" latinLnBrk="0" hangingPunct="1">
-        <a:defRPr sz="1800" kern="1200">
+      <a:lvl4pPr marL="921715" algn="l" defTabSz="614477" rtl="0" eaLnBrk="1" latinLnBrk="0" hangingPunct="1">
+        <a:defRPr sz="1210" kern="1200">
           <a:solidFill>
             <a:schemeClr val="tx1"/>
           </a:solidFill>
@@ -3286,8 +2910,8 @@
           <a:cs typeface="+mn-cs"/>
         </a:defRPr>
       </a:lvl4pPr>
-      <a:lvl5pPr marL="1828800" algn="l" defTabSz="914400" rtl="0" eaLnBrk="1" latinLnBrk="0" hangingPunct="1">
-        <a:defRPr sz="1800" kern="1200">
+      <a:lvl5pPr marL="1228954" algn="l" defTabSz="614477" rtl="0" eaLnBrk="1" latinLnBrk="0" hangingPunct="1">
+        <a:defRPr sz="1210" kern="1200">
           <a:solidFill>
             <a:schemeClr val="tx1"/>
           </a:solidFill>
@@ -3296,8 +2920,8 @@
           <a:cs typeface="+mn-cs"/>
         </a:defRPr>
       </a:lvl5pPr>
-      <a:lvl6pPr marL="2286000" algn="l" defTabSz="914400" rtl="0" eaLnBrk="1" latinLnBrk="0" hangingPunct="1">
-        <a:defRPr sz="1800" kern="1200">
+      <a:lvl6pPr marL="1536192" algn="l" defTabSz="614477" rtl="0" eaLnBrk="1" latinLnBrk="0" hangingPunct="1">
+        <a:defRPr sz="1210" kern="1200">
           <a:solidFill>
             <a:schemeClr val="tx1"/>
           </a:solidFill>
@@ -3306,8 +2930,8 @@
           <a:cs typeface="+mn-cs"/>
         </a:defRPr>
       </a:lvl6pPr>
-      <a:lvl7pPr marL="2743200" algn="l" defTabSz="914400" rtl="0" eaLnBrk="1" latinLnBrk="0" hangingPunct="1">
-        <a:defRPr sz="1800" kern="1200">
+      <a:lvl7pPr marL="1843430" algn="l" defTabSz="614477" rtl="0" eaLnBrk="1" latinLnBrk="0" hangingPunct="1">
+        <a:defRPr sz="1210" kern="1200">
           <a:solidFill>
             <a:schemeClr val="tx1"/>
           </a:solidFill>
@@ -3316,8 +2940,8 @@
           <a:cs typeface="+mn-cs"/>
         </a:defRPr>
       </a:lvl7pPr>
-      <a:lvl8pPr marL="3200400" algn="l" defTabSz="914400" rtl="0" eaLnBrk="1" latinLnBrk="0" hangingPunct="1">
-        <a:defRPr sz="1800" kern="1200">
+      <a:lvl8pPr marL="2150669" algn="l" defTabSz="614477" rtl="0" eaLnBrk="1" latinLnBrk="0" hangingPunct="1">
+        <a:defRPr sz="1210" kern="1200">
           <a:solidFill>
             <a:schemeClr val="tx1"/>
           </a:solidFill>
@@ -3326,8 +2950,8 @@
           <a:cs typeface="+mn-cs"/>
         </a:defRPr>
       </a:lvl8pPr>
-      <a:lvl9pPr marL="3657600" algn="l" defTabSz="914400" rtl="0" eaLnBrk="1" latinLnBrk="0" hangingPunct="1">
-        <a:defRPr sz="1800" kern="1200">
+      <a:lvl9pPr marL="2457907" algn="l" defTabSz="614477" rtl="0" eaLnBrk="1" latinLnBrk="0" hangingPunct="1">
+        <a:defRPr sz="1210" kern="1200">
           <a:solidFill>
             <a:schemeClr val="tx1"/>
           </a:solidFill>
@@ -3388,8 +3012,8 @@
         </p:blipFill>
         <p:spPr>
           <a:xfrm>
-            <a:off x="1362807" y="3198522"/>
-            <a:ext cx="3198522" cy="3198522"/>
+            <a:off x="-1" y="2304750"/>
+            <a:ext cx="2304750" cy="2304751"/>
           </a:xfrm>
           <a:prstGeom prst="rect">
             <a:avLst/>
@@ -3426,8 +3050,8 @@
         </p:blipFill>
         <p:spPr>
           <a:xfrm>
-            <a:off x="4561329" y="3198522"/>
-            <a:ext cx="3198522" cy="3198522"/>
+            <a:off x="2304748" y="2304750"/>
+            <a:ext cx="2304750" cy="2304751"/>
           </a:xfrm>
           <a:prstGeom prst="rect">
             <a:avLst/>
@@ -3464,8 +3088,8 @@
         </p:blipFill>
         <p:spPr>
           <a:xfrm>
-            <a:off x="7751486" y="3198522"/>
-            <a:ext cx="3198522" cy="3198522"/>
+            <a:off x="4607224" y="2304750"/>
+            <a:ext cx="2304750" cy="2304751"/>
           </a:xfrm>
           <a:prstGeom prst="rect">
             <a:avLst/>
@@ -3502,8 +3126,8 @@
         </p:blipFill>
         <p:spPr>
           <a:xfrm>
-            <a:off x="7756693" y="0"/>
-            <a:ext cx="3198522" cy="3198522"/>
+            <a:off x="4607224" y="-1"/>
+            <a:ext cx="2304750" cy="2304751"/>
           </a:xfrm>
           <a:prstGeom prst="rect">
             <a:avLst/>
@@ -3540,8 +3164,8 @@
         </p:blipFill>
         <p:spPr>
           <a:xfrm>
-            <a:off x="4559752" y="0"/>
-            <a:ext cx="3198522" cy="3198522"/>
+            <a:off x="2303612" y="-1"/>
+            <a:ext cx="2304750" cy="2304751"/>
           </a:xfrm>
           <a:prstGeom prst="rect">
             <a:avLst/>
@@ -3578,8 +3202,8 @@
         </p:blipFill>
         <p:spPr>
           <a:xfrm>
-            <a:off x="1362807" y="0"/>
-            <a:ext cx="3198522" cy="3198522"/>
+            <a:off x="-1" y="-1"/>
+            <a:ext cx="2304750" cy="2304751"/>
           </a:xfrm>
           <a:prstGeom prst="rect">
             <a:avLst/>
@@ -3600,8 +3224,8 @@
         </p:nvSpPr>
         <p:spPr>
           <a:xfrm>
-            <a:off x="2373349" y="4825863"/>
-            <a:ext cx="1456274" cy="767587"/>
+            <a:off x="728162" y="3477359"/>
+            <a:ext cx="1049343" cy="553098"/>
           </a:xfrm>
           <a:prstGeom prst="rect">
             <a:avLst/>
@@ -3634,7 +3258,7 @@
           <a:lstStyle/>
           <a:p>
             <a:pPr algn="ctr"/>
-            <a:endParaRPr kumimoji="1" lang="ko-Kore-KR" altLang="en-US">
+            <a:endParaRPr kumimoji="1" lang="ko-Kore-KR" altLang="en-US" sz="617">
               <a:latin typeface="NanumSquare" panose="020B0600000101010101" pitchFamily="34" charset="-127"/>
               <a:ea typeface="NanumSquare" panose="020B0600000101010101" pitchFamily="34" charset="-127"/>
             </a:endParaRPr>
@@ -3655,8 +3279,8 @@
         </p:nvSpPr>
         <p:spPr>
           <a:xfrm>
-            <a:off x="5561676" y="4825863"/>
-            <a:ext cx="1456274" cy="767587"/>
+            <a:off x="3025566" y="3477359"/>
+            <a:ext cx="1049343" cy="553098"/>
           </a:xfrm>
           <a:prstGeom prst="rect">
             <a:avLst/>
@@ -3689,7 +3313,7 @@
           <a:lstStyle/>
           <a:p>
             <a:pPr algn="ctr"/>
-            <a:endParaRPr kumimoji="1" lang="ko-Kore-KR" altLang="en-US">
+            <a:endParaRPr kumimoji="1" lang="ko-Kore-KR" altLang="en-US" sz="617">
               <a:latin typeface="NanumSquare" panose="020B0600000101010101" pitchFamily="34" charset="-127"/>
               <a:ea typeface="NanumSquare" panose="020B0600000101010101" pitchFamily="34" charset="-127"/>
             </a:endParaRPr>
@@ -3710,8 +3334,8 @@
         </p:nvSpPr>
         <p:spPr>
           <a:xfrm>
-            <a:off x="8752633" y="4825863"/>
-            <a:ext cx="1456274" cy="767587"/>
+            <a:off x="5324865" y="3477359"/>
+            <a:ext cx="1049343" cy="553098"/>
           </a:xfrm>
           <a:prstGeom prst="rect">
             <a:avLst/>
@@ -3744,7 +3368,7 @@
           <a:lstStyle/>
           <a:p>
             <a:pPr algn="ctr"/>
-            <a:endParaRPr kumimoji="1" lang="ko-Kore-KR" altLang="en-US">
+            <a:endParaRPr kumimoji="1" lang="ko-Kore-KR" altLang="en-US" sz="617">
               <a:latin typeface="NanumSquare" panose="020B0600000101010101" pitchFamily="34" charset="-127"/>
               <a:ea typeface="NanumSquare" panose="020B0600000101010101" pitchFamily="34" charset="-127"/>
             </a:endParaRPr>
@@ -3765,8 +3389,8 @@
         </p:nvSpPr>
         <p:spPr>
           <a:xfrm>
-            <a:off x="1362808" y="6377166"/>
-            <a:ext cx="9587200" cy="523220"/>
+            <a:off x="738366" y="4050212"/>
+            <a:ext cx="5435243" cy="553998"/>
           </a:xfrm>
           <a:prstGeom prst="rect">
             <a:avLst/>
@@ -3781,7 +3405,7 @@
           <a:p>
             <a:pPr algn="ctr"/>
             <a:r>
-              <a:rPr kumimoji="1" lang="en-US" altLang="ko-Kore-KR" sz="2800" b="1" dirty="0">
+              <a:rPr kumimoji="1" lang="en-US" altLang="ko-Kore-KR" sz="3000" b="1" dirty="0">
                 <a:solidFill>
                   <a:schemeClr val="accent6"/>
                 </a:solidFill>
@@ -3790,7 +3414,7 @@
               </a:rPr>
               <a:t>Multi-view consistent</a:t>
             </a:r>
-            <a:endParaRPr kumimoji="1" lang="ko-Kore-KR" altLang="en-US" sz="2800" b="1" dirty="0">
+            <a:endParaRPr kumimoji="1" lang="ko-Kore-KR" altLang="en-US" sz="3000" b="1" dirty="0">
               <a:solidFill>
                 <a:schemeClr val="accent6"/>
               </a:solidFill>
@@ -3822,9 +3446,6 @@
                     <p:cTn id="3" fill="hold">
                       <p:stCondLst>
                         <p:cond delay="indefinite"/>
-                        <p:cond evt="onBegin" delay="0">
-                          <p:tn val="2"/>
-                        </p:cond>
                       </p:stCondLst>
                       <p:childTnLst>
                         <p:par>
@@ -3834,7 +3455,7 @@
                             </p:stCondLst>
                             <p:childTnLst>
                               <p:par>
-                                <p:cTn id="5" presetID="1" presetClass="mediacall" presetSubtype="0" fill="hold" nodeType="withEffect">
+                                <p:cTn id="5" presetID="1" presetClass="mediacall" presetSubtype="0" fill="hold" nodeType="clickEffect">
                                   <p:stCondLst>
                                     <p:cond delay="0"/>
                                   </p:stCondLst>
@@ -3960,7 +3581,7 @@
             </p:seq>
             <p:video>
               <p:cMediaNode vol="80000">
-                <p:cTn id="17" repeatCount="3000" display="0">
+                <p:cTn id="17" repeatCount="2000" display="0">
                   <p:stCondLst>
                     <p:cond delay="indefinite"/>
                   </p:stCondLst>
@@ -3972,7 +3593,7 @@
             </p:video>
             <p:video>
               <p:cMediaNode vol="80000">
-                <p:cTn id="18" repeatCount="3000" display="0">
+                <p:cTn id="18" repeatCount="2000" display="0">
                   <p:stCondLst>
                     <p:cond delay="indefinite"/>
                   </p:stCondLst>
@@ -3984,7 +3605,7 @@
             </p:video>
             <p:video>
               <p:cMediaNode vol="80000">
-                <p:cTn id="19" repeatCount="3000" display="0">
+                <p:cTn id="19" repeatCount="2000" display="0">
                   <p:stCondLst>
                     <p:cond delay="indefinite"/>
                   </p:stCondLst>
@@ -3996,7 +3617,7 @@
             </p:video>
             <p:video>
               <p:cMediaNode vol="80000">
-                <p:cTn id="20" repeatCount="3000" display="0">
+                <p:cTn id="20" repeatCount="2000" display="0">
                   <p:stCondLst>
                     <p:cond delay="indefinite"/>
                   </p:stCondLst>
@@ -4008,7 +3629,7 @@
             </p:video>
             <p:video>
               <p:cMediaNode vol="80000">
-                <p:cTn id="21" repeatCount="3000" display="0">
+                <p:cTn id="21" repeatCount="2000" display="0">
                   <p:stCondLst>
                     <p:cond delay="indefinite"/>
                   </p:stCondLst>
@@ -4020,7 +3641,7 @@
             </p:video>
             <p:video>
               <p:cMediaNode vol="80000">
-                <p:cTn id="22" repeatCount="3000" display="0">
+                <p:cTn id="22" repeatCount="2000" display="0">
                   <p:stCondLst>
                     <p:cond delay="indefinite"/>
                   </p:stCondLst>
@@ -4041,7 +3662,7 @@
 <file path=ppt/theme/theme1.xml><?xml version="1.0" encoding="utf-8"?>
 <a:theme xmlns:a="http://schemas.openxmlformats.org/drawingml/2006/main" name="Office 테마">
   <a:themeElements>
-    <a:clrScheme name="Office">
+    <a:clrScheme name="Office 테마">
       <a:dk1>
         <a:sysClr val="windowText" lastClr="000000"/>
       </a:dk1>
@@ -4079,7 +3700,7 @@
         <a:srgbClr val="954F72"/>
       </a:folHlink>
     </a:clrScheme>
-    <a:fontScheme name="Office">
+    <a:fontScheme name="Office 테마">
       <a:majorFont>
         <a:latin typeface="Calibri Light" panose="020F0302020204030204"/>
         <a:ea typeface=""/>
@@ -4114,23 +3735,6 @@
         <a:font script="Viet" typeface="Times New Roman"/>
         <a:font script="Uigh" typeface="Microsoft Uighur"/>
         <a:font script="Geor" typeface="Sylfaen"/>
-        <a:font script="Armn" typeface="Arial"/>
-        <a:font script="Bugi" typeface="Leelawadee UI"/>
-        <a:font script="Bopo" typeface="Microsoft JhengHei"/>
-        <a:font script="Java" typeface="Javanese Text"/>
-        <a:font script="Lisu" typeface="Segoe UI"/>
-        <a:font script="Mymr" typeface="Myanmar Text"/>
-        <a:font script="Nkoo" typeface="Ebrima"/>
-        <a:font script="Olck" typeface="Nirmala UI"/>
-        <a:font script="Osma" typeface="Ebrima"/>
-        <a:font script="Phag" typeface="Phagspa"/>
-        <a:font script="Syrn" typeface="Estrangelo Edessa"/>
-        <a:font script="Syrj" typeface="Estrangelo Edessa"/>
-        <a:font script="Syre" typeface="Estrangelo Edessa"/>
-        <a:font script="Sora" typeface="Nirmala UI"/>
-        <a:font script="Tale" typeface="Microsoft Tai Le"/>
-        <a:font script="Talu" typeface="Microsoft New Tai Lue"/>
-        <a:font script="Tfng" typeface="Ebrima"/>
       </a:majorFont>
       <a:minorFont>
         <a:latin typeface="Calibri" panose="020F0502020204030204"/>
@@ -4166,26 +3770,9 @@
         <a:font script="Viet" typeface="Arial"/>
         <a:font script="Uigh" typeface="Microsoft Uighur"/>
         <a:font script="Geor" typeface="Sylfaen"/>
-        <a:font script="Armn" typeface="Arial"/>
-        <a:font script="Bugi" typeface="Leelawadee UI"/>
-        <a:font script="Bopo" typeface="Microsoft JhengHei"/>
-        <a:font script="Java" typeface="Javanese Text"/>
-        <a:font script="Lisu" typeface="Segoe UI"/>
-        <a:font script="Mymr" typeface="Myanmar Text"/>
-        <a:font script="Nkoo" typeface="Ebrima"/>
-        <a:font script="Olck" typeface="Nirmala UI"/>
-        <a:font script="Osma" typeface="Ebrima"/>
-        <a:font script="Phag" typeface="Phagspa"/>
-        <a:font script="Syrn" typeface="Estrangelo Edessa"/>
-        <a:font script="Syrj" typeface="Estrangelo Edessa"/>
-        <a:font script="Syre" typeface="Estrangelo Edessa"/>
-        <a:font script="Sora" typeface="Nirmala UI"/>
-        <a:font script="Tale" typeface="Microsoft Tai Le"/>
-        <a:font script="Talu" typeface="Microsoft New Tai Lue"/>
-        <a:font script="Tfng" typeface="Ebrima"/>
       </a:minorFont>
     </a:fontScheme>
-    <a:fmtScheme name="Office">
+    <a:fmtScheme name="Office 테마">
       <a:fillStyleLst>
         <a:solidFill>
           <a:schemeClr val="phClr"/>
@@ -4327,7 +3914,7 @@
   <a:extraClrSchemeLst/>
   <a:extLst>
     <a:ext uri="{05A4C25C-085E-4340-85A3-A5531E510DB2}">
-      <thm15:themeFamily xmlns:thm15="http://schemas.microsoft.com/office/thememl/2012/main" name="Office Theme" id="{62F939B6-93AF-4DB8-9C6B-D6C7DFDC589F}" vid="{4A3C46E8-61CC-4603-A589-7422A47A8E4A}"/>
+      <thm15:themeFamily xmlns:thm15="http://schemas.microsoft.com/office/thememl/2012/main" name="Office Theme 2013 - 2022" id="{62F939B6-93AF-4DB8-9C6B-D6C7DFDC589F}" vid="{4A3C46E8-61CC-4603-A589-7422A47A8E4A}"/>
     </a:ext>
   </a:extLst>
 </a:theme>
